--- a/Documentations/NexusCore.Document/Concept/Nc3TechConceptDiagram.pptx
+++ b/Documentations/NexusCore.Document/Concept/Nc3TechConceptDiagram.pptx
@@ -296,7 +296,7 @@
           <a:p>
             <a:fld id="{4D655D80-C074-4645-A762-43177DDC01D5}" type="datetimeFigureOut">
               <a:rPr lang="en-US" smtClean="0"/>
-              <a:t>8/25/2014</a:t>
+              <a:t>9/14/2014</a:t>
             </a:fld>
             <a:endParaRPr lang="en-US"/>
           </a:p>
@@ -466,7 +466,7 @@
           <a:p>
             <a:fld id="{4D655D80-C074-4645-A762-43177DDC01D5}" type="datetimeFigureOut">
               <a:rPr lang="en-US" smtClean="0"/>
-              <a:t>8/25/2014</a:t>
+              <a:t>9/14/2014</a:t>
             </a:fld>
             <a:endParaRPr lang="en-US"/>
           </a:p>
@@ -646,7 +646,7 @@
           <a:p>
             <a:fld id="{4D655D80-C074-4645-A762-43177DDC01D5}" type="datetimeFigureOut">
               <a:rPr lang="en-US" smtClean="0"/>
-              <a:t>8/25/2014</a:t>
+              <a:t>9/14/2014</a:t>
             </a:fld>
             <a:endParaRPr lang="en-US"/>
           </a:p>
@@ -1222,7 +1222,7 @@
           <a:p>
             <a:fld id="{4D655D80-C074-4645-A762-43177DDC01D5}" type="datetimeFigureOut">
               <a:rPr lang="en-US" smtClean="0"/>
-              <a:t>8/25/2014</a:t>
+              <a:t>9/14/2014</a:t>
             </a:fld>
             <a:endParaRPr lang="en-US"/>
           </a:p>
@@ -1744,7 +1744,7 @@
           <a:p>
             <a:fld id="{4D655D80-C074-4645-A762-43177DDC01D5}" type="datetimeFigureOut">
               <a:rPr lang="en-US" smtClean="0"/>
-              <a:t>8/25/2014</a:t>
+              <a:t>9/14/2014</a:t>
             </a:fld>
             <a:endParaRPr lang="en-US"/>
           </a:p>
@@ -2324,7 +2324,7 @@
           <a:p>
             <a:fld id="{4D655D80-C074-4645-A762-43177DDC01D5}" type="datetimeFigureOut">
               <a:rPr lang="en-US" smtClean="0"/>
-              <a:t>8/25/2014</a:t>
+              <a:t>9/14/2014</a:t>
             </a:fld>
             <a:endParaRPr lang="en-US"/>
           </a:p>
@@ -2951,7 +2951,7 @@
           <a:p>
             <a:fld id="{4D655D80-C074-4645-A762-43177DDC01D5}" type="datetimeFigureOut">
               <a:rPr lang="en-US" smtClean="0"/>
-              <a:t>8/25/2014</a:t>
+              <a:t>9/14/2014</a:t>
             </a:fld>
             <a:endParaRPr lang="en-US"/>
           </a:p>
@@ -3716,7 +3716,7 @@
           <a:p>
             <a:fld id="{4D655D80-C074-4645-A762-43177DDC01D5}" type="datetimeFigureOut">
               <a:rPr lang="en-US" smtClean="0"/>
-              <a:t>8/25/2014</a:t>
+              <a:t>9/14/2014</a:t>
             </a:fld>
             <a:endParaRPr lang="en-US"/>
           </a:p>
@@ -4173,7 +4173,7 @@
           <a:p>
             <a:fld id="{4D655D80-C074-4645-A762-43177DDC01D5}" type="datetimeFigureOut">
               <a:rPr lang="en-US" smtClean="0"/>
-              <a:t>8/25/2014</a:t>
+              <a:t>9/14/2014</a:t>
             </a:fld>
             <a:endParaRPr lang="en-US"/>
           </a:p>
@@ -4598,7 +4598,7 @@
           <a:p>
             <a:fld id="{4D655D80-C074-4645-A762-43177DDC01D5}" type="datetimeFigureOut">
               <a:rPr lang="en-US" smtClean="0"/>
-              <a:t>8/25/2014</a:t>
+              <a:t>9/14/2014</a:t>
             </a:fld>
             <a:endParaRPr lang="en-US"/>
           </a:p>
@@ -5215,7 +5215,7 @@
           <a:p>
             <a:fld id="{4D655D80-C074-4645-A762-43177DDC01D5}" type="datetimeFigureOut">
               <a:rPr lang="en-US" smtClean="0"/>
-              <a:t>8/25/2014</a:t>
+              <a:t>9/14/2014</a:t>
             </a:fld>
             <a:endParaRPr lang="en-US"/>
           </a:p>
@@ -5406,7 +5406,7 @@
           <a:p>
             <a:fld id="{4D655D80-C074-4645-A762-43177DDC01D5}" type="datetimeFigureOut">
               <a:rPr lang="en-US" smtClean="0"/>
-              <a:t>8/25/2014</a:t>
+              <a:t>9/14/2014</a:t>
             </a:fld>
             <a:endParaRPr lang="en-US"/>
           </a:p>
@@ -6001,7 +6001,7 @@
           <a:p>
             <a:fld id="{4D655D80-C074-4645-A762-43177DDC01D5}" type="datetimeFigureOut">
               <a:rPr lang="en-US" smtClean="0"/>
-              <a:t>8/25/2014</a:t>
+              <a:t>9/14/2014</a:t>
             </a:fld>
             <a:endParaRPr lang="en-US"/>
           </a:p>
@@ -6515,7 +6515,7 @@
           <a:p>
             <a:fld id="{4D655D80-C074-4645-A762-43177DDC01D5}" type="datetimeFigureOut">
               <a:rPr lang="en-US" smtClean="0"/>
-              <a:t>8/25/2014</a:t>
+              <a:t>9/14/2014</a:t>
             </a:fld>
             <a:endParaRPr lang="en-US"/>
           </a:p>
@@ -7033,7 +7033,7 @@
           <a:p>
             <a:fld id="{4D655D80-C074-4645-A762-43177DDC01D5}" type="datetimeFigureOut">
               <a:rPr lang="en-US" smtClean="0"/>
-              <a:t>8/25/2014</a:t>
+              <a:t>9/14/2014</a:t>
             </a:fld>
             <a:endParaRPr lang="en-US"/>
           </a:p>
@@ -7300,7 +7300,7 @@
           <a:p>
             <a:fld id="{4D655D80-C074-4645-A762-43177DDC01D5}" type="datetimeFigureOut">
               <a:rPr lang="en-US" smtClean="0"/>
-              <a:t>8/25/2014</a:t>
+              <a:t>9/14/2014</a:t>
             </a:fld>
             <a:endParaRPr lang="en-US"/>
           </a:p>
@@ -7588,7 +7588,7 @@
           <a:p>
             <a:fld id="{4D655D80-C074-4645-A762-43177DDC01D5}" type="datetimeFigureOut">
               <a:rPr lang="en-US" smtClean="0"/>
-              <a:t>8/25/2014</a:t>
+              <a:t>9/14/2014</a:t>
             </a:fld>
             <a:endParaRPr lang="en-US"/>
           </a:p>
@@ -8010,7 +8010,7 @@
           <a:p>
             <a:fld id="{4D655D80-C074-4645-A762-43177DDC01D5}" type="datetimeFigureOut">
               <a:rPr lang="en-US" smtClean="0"/>
-              <a:t>8/25/2014</a:t>
+              <a:t>9/14/2014</a:t>
             </a:fld>
             <a:endParaRPr lang="en-US"/>
           </a:p>
@@ -8128,7 +8128,7 @@
           <a:p>
             <a:fld id="{4D655D80-C074-4645-A762-43177DDC01D5}" type="datetimeFigureOut">
               <a:rPr lang="en-US" smtClean="0"/>
-              <a:t>8/25/2014</a:t>
+              <a:t>9/14/2014</a:t>
             </a:fld>
             <a:endParaRPr lang="en-US"/>
           </a:p>
@@ -8223,7 +8223,7 @@
           <a:p>
             <a:fld id="{4D655D80-C074-4645-A762-43177DDC01D5}" type="datetimeFigureOut">
               <a:rPr lang="en-US" smtClean="0"/>
-              <a:t>8/25/2014</a:t>
+              <a:t>9/14/2014</a:t>
             </a:fld>
             <a:endParaRPr lang="en-US"/>
           </a:p>
@@ -8500,7 +8500,7 @@
           <a:p>
             <a:fld id="{4D655D80-C074-4645-A762-43177DDC01D5}" type="datetimeFigureOut">
               <a:rPr lang="en-US" smtClean="0"/>
-              <a:t>8/25/2014</a:t>
+              <a:t>9/14/2014</a:t>
             </a:fld>
             <a:endParaRPr lang="en-US"/>
           </a:p>
@@ -8753,7 +8753,7 @@
           <a:p>
             <a:fld id="{4D655D80-C074-4645-A762-43177DDC01D5}" type="datetimeFigureOut">
               <a:rPr lang="en-US" smtClean="0"/>
-              <a:t>8/25/2014</a:t>
+              <a:t>9/14/2014</a:t>
             </a:fld>
             <a:endParaRPr lang="en-US"/>
           </a:p>
@@ -8966,7 +8966,7 @@
           <a:p>
             <a:fld id="{4D655D80-C074-4645-A762-43177DDC01D5}" type="datetimeFigureOut">
               <a:rPr lang="en-US" smtClean="0"/>
-              <a:t>8/25/2014</a:t>
+              <a:t>9/14/2014</a:t>
             </a:fld>
             <a:endParaRPr lang="en-US"/>
           </a:p>
@@ -9503,7 +9503,7 @@
           <a:p>
             <a:fld id="{4D655D80-C074-4645-A762-43177DDC01D5}" type="datetimeFigureOut">
               <a:rPr lang="en-US" smtClean="0"/>
-              <a:t>8/25/2014</a:t>
+              <a:t>9/14/2014</a:t>
             </a:fld>
             <a:endParaRPr lang="en-US"/>
           </a:p>
@@ -14523,7 +14523,7 @@
             <a:pPr algn="ctr"/>
             <a:r>
               <a:rPr lang="en-GB" dirty="0" smtClean="0"/>
-              <a:t>Side1</a:t>
+              <a:t>Side Body</a:t>
             </a:r>
             <a:endParaRPr lang="en-GB" dirty="0"/>
           </a:p>
@@ -14567,7 +14567,7 @@
             <a:pPr algn="ctr"/>
             <a:r>
               <a:rPr lang="en-GB" dirty="0" smtClean="0"/>
-              <a:t>Side2</a:t>
+              <a:t>Side Body 2</a:t>
             </a:r>
             <a:endParaRPr lang="en-GB" dirty="0"/>
           </a:p>
@@ -14654,8 +14654,8 @@
           <a:p>
             <a:pPr algn="ctr"/>
             <a:r>
-              <a:rPr lang="en-GB" dirty="0" smtClean="0"/>
-              <a:t>Bottom</a:t>
+              <a:rPr lang="en-GB" smtClean="0"/>
+              <a:t>Bottom Body</a:t>
             </a:r>
             <a:endParaRPr lang="en-GB" dirty="0"/>
           </a:p>
@@ -14713,8 +14713,8 @@
         </p:nvSpPr>
         <p:spPr>
           <a:xfrm>
-            <a:off x="481046" y="5877272"/>
-            <a:ext cx="5657488" cy="432048"/>
+            <a:off x="3111258" y="5877272"/>
+            <a:ext cx="3027275" cy="432048"/>
           </a:xfrm>
           <a:prstGeom prst="rect">
             <a:avLst/>
@@ -14788,6 +14788,50 @@
             <a:r>
               <a:rPr lang="en-GB" dirty="0" smtClean="0"/>
               <a:t>Slider</a:t>
+            </a:r>
+            <a:endParaRPr lang="en-GB" dirty="0"/>
+          </a:p>
+        </p:txBody>
+      </p:sp>
+      <p:sp>
+        <p:nvSpPr>
+          <p:cNvPr id="17" name="Rectangle 16"/>
+          <p:cNvSpPr/>
+          <p:nvPr/>
+        </p:nvSpPr>
+        <p:spPr>
+          <a:xfrm>
+            <a:off x="476080" y="5867942"/>
+            <a:ext cx="2542910" cy="432048"/>
+          </a:xfrm>
+          <a:prstGeom prst="rect">
+            <a:avLst/>
+          </a:prstGeom>
+        </p:spPr>
+        <p:style>
+          <a:lnRef idx="2">
+            <a:schemeClr val="accent1">
+              <a:shade val="50000"/>
+            </a:schemeClr>
+          </a:lnRef>
+          <a:fillRef idx="1">
+            <a:schemeClr val="accent1"/>
+          </a:fillRef>
+          <a:effectRef idx="0">
+            <a:schemeClr val="accent1"/>
+          </a:effectRef>
+          <a:fontRef idx="minor">
+            <a:schemeClr val="lt1"/>
+          </a:fontRef>
+        </p:style>
+        <p:txBody>
+          <a:bodyPr rtlCol="0" anchor="ctr"/>
+          <a:lstStyle/>
+          <a:p>
+            <a:pPr algn="ctr"/>
+            <a:r>
+              <a:rPr lang="en-GB" dirty="0" smtClean="0"/>
+              <a:t>Slider2</a:t>
             </a:r>
             <a:endParaRPr lang="en-GB" dirty="0"/>
           </a:p>

--- a/Documentations/NexusCore.Document/Concept/Nc3TechConceptDiagram.pptx
+++ b/Documentations/NexusCore.Document/Concept/Nc3TechConceptDiagram.pptx
@@ -14,6 +14,10 @@
     <p:sldId id="259" r:id="rId8"/>
     <p:sldId id="260" r:id="rId9"/>
     <p:sldId id="261" r:id="rId10"/>
+    <p:sldId id="265" r:id="rId11"/>
+    <p:sldId id="266" r:id="rId12"/>
+    <p:sldId id="267" r:id="rId13"/>
+    <p:sldId id="268" r:id="rId14"/>
   </p:sldIdLst>
   <p:sldSz cx="9144000" cy="6858000" type="screen4x3"/>
   <p:notesSz cx="6858000" cy="9144000"/>
@@ -296,7 +300,7 @@
           <a:p>
             <a:fld id="{4D655D80-C074-4645-A762-43177DDC01D5}" type="datetimeFigureOut">
               <a:rPr lang="en-US" smtClean="0"/>
-              <a:t>9/14/2014</a:t>
+              <a:t>12/16/2014</a:t>
             </a:fld>
             <a:endParaRPr lang="en-US"/>
           </a:p>
@@ -466,7 +470,7 @@
           <a:p>
             <a:fld id="{4D655D80-C074-4645-A762-43177DDC01D5}" type="datetimeFigureOut">
               <a:rPr lang="en-US" smtClean="0"/>
-              <a:t>9/14/2014</a:t>
+              <a:t>12/16/2014</a:t>
             </a:fld>
             <a:endParaRPr lang="en-US"/>
           </a:p>
@@ -646,7 +650,7 @@
           <a:p>
             <a:fld id="{4D655D80-C074-4645-A762-43177DDC01D5}" type="datetimeFigureOut">
               <a:rPr lang="en-US" smtClean="0"/>
-              <a:t>9/14/2014</a:t>
+              <a:t>12/16/2014</a:t>
             </a:fld>
             <a:endParaRPr lang="en-US"/>
           </a:p>
@@ -1222,7 +1226,7 @@
           <a:p>
             <a:fld id="{4D655D80-C074-4645-A762-43177DDC01D5}" type="datetimeFigureOut">
               <a:rPr lang="en-US" smtClean="0"/>
-              <a:t>9/14/2014</a:t>
+              <a:t>12/16/2014</a:t>
             </a:fld>
             <a:endParaRPr lang="en-US"/>
           </a:p>
@@ -1744,7 +1748,7 @@
           <a:p>
             <a:fld id="{4D655D80-C074-4645-A762-43177DDC01D5}" type="datetimeFigureOut">
               <a:rPr lang="en-US" smtClean="0"/>
-              <a:t>9/14/2014</a:t>
+              <a:t>12/16/2014</a:t>
             </a:fld>
             <a:endParaRPr lang="en-US"/>
           </a:p>
@@ -2324,7 +2328,7 @@
           <a:p>
             <a:fld id="{4D655D80-C074-4645-A762-43177DDC01D5}" type="datetimeFigureOut">
               <a:rPr lang="en-US" smtClean="0"/>
-              <a:t>9/14/2014</a:t>
+              <a:t>12/16/2014</a:t>
             </a:fld>
             <a:endParaRPr lang="en-US"/>
           </a:p>
@@ -2951,7 +2955,7 @@
           <a:p>
             <a:fld id="{4D655D80-C074-4645-A762-43177DDC01D5}" type="datetimeFigureOut">
               <a:rPr lang="en-US" smtClean="0"/>
-              <a:t>9/14/2014</a:t>
+              <a:t>12/16/2014</a:t>
             </a:fld>
             <a:endParaRPr lang="en-US"/>
           </a:p>
@@ -3716,7 +3720,7 @@
           <a:p>
             <a:fld id="{4D655D80-C074-4645-A762-43177DDC01D5}" type="datetimeFigureOut">
               <a:rPr lang="en-US" smtClean="0"/>
-              <a:t>9/14/2014</a:t>
+              <a:t>12/16/2014</a:t>
             </a:fld>
             <a:endParaRPr lang="en-US"/>
           </a:p>
@@ -4173,7 +4177,7 @@
           <a:p>
             <a:fld id="{4D655D80-C074-4645-A762-43177DDC01D5}" type="datetimeFigureOut">
               <a:rPr lang="en-US" smtClean="0"/>
-              <a:t>9/14/2014</a:t>
+              <a:t>12/16/2014</a:t>
             </a:fld>
             <a:endParaRPr lang="en-US"/>
           </a:p>
@@ -4598,7 +4602,7 @@
           <a:p>
             <a:fld id="{4D655D80-C074-4645-A762-43177DDC01D5}" type="datetimeFigureOut">
               <a:rPr lang="en-US" smtClean="0"/>
-              <a:t>9/14/2014</a:t>
+              <a:t>12/16/2014</a:t>
             </a:fld>
             <a:endParaRPr lang="en-US"/>
           </a:p>
@@ -5215,7 +5219,7 @@
           <a:p>
             <a:fld id="{4D655D80-C074-4645-A762-43177DDC01D5}" type="datetimeFigureOut">
               <a:rPr lang="en-US" smtClean="0"/>
-              <a:t>9/14/2014</a:t>
+              <a:t>12/16/2014</a:t>
             </a:fld>
             <a:endParaRPr lang="en-US"/>
           </a:p>
@@ -5406,7 +5410,7 @@
           <a:p>
             <a:fld id="{4D655D80-C074-4645-A762-43177DDC01D5}" type="datetimeFigureOut">
               <a:rPr lang="en-US" smtClean="0"/>
-              <a:t>9/14/2014</a:t>
+              <a:t>12/16/2014</a:t>
             </a:fld>
             <a:endParaRPr lang="en-US"/>
           </a:p>
@@ -6001,7 +6005,7 @@
           <a:p>
             <a:fld id="{4D655D80-C074-4645-A762-43177DDC01D5}" type="datetimeFigureOut">
               <a:rPr lang="en-US" smtClean="0"/>
-              <a:t>9/14/2014</a:t>
+              <a:t>12/16/2014</a:t>
             </a:fld>
             <a:endParaRPr lang="en-US"/>
           </a:p>
@@ -6515,7 +6519,7 @@
           <a:p>
             <a:fld id="{4D655D80-C074-4645-A762-43177DDC01D5}" type="datetimeFigureOut">
               <a:rPr lang="en-US" smtClean="0"/>
-              <a:t>9/14/2014</a:t>
+              <a:t>12/16/2014</a:t>
             </a:fld>
             <a:endParaRPr lang="en-US"/>
           </a:p>
@@ -7033,7 +7037,7 @@
           <a:p>
             <a:fld id="{4D655D80-C074-4645-A762-43177DDC01D5}" type="datetimeFigureOut">
               <a:rPr lang="en-US" smtClean="0"/>
-              <a:t>9/14/2014</a:t>
+              <a:t>12/16/2014</a:t>
             </a:fld>
             <a:endParaRPr lang="en-US"/>
           </a:p>
@@ -7300,7 +7304,7 @@
           <a:p>
             <a:fld id="{4D655D80-C074-4645-A762-43177DDC01D5}" type="datetimeFigureOut">
               <a:rPr lang="en-US" smtClean="0"/>
-              <a:t>9/14/2014</a:t>
+              <a:t>12/16/2014</a:t>
             </a:fld>
             <a:endParaRPr lang="en-US"/>
           </a:p>
@@ -7588,7 +7592,7 @@
           <a:p>
             <a:fld id="{4D655D80-C074-4645-A762-43177DDC01D5}" type="datetimeFigureOut">
               <a:rPr lang="en-US" smtClean="0"/>
-              <a:t>9/14/2014</a:t>
+              <a:t>12/16/2014</a:t>
             </a:fld>
             <a:endParaRPr lang="en-US"/>
           </a:p>
@@ -8010,7 +8014,7 @@
           <a:p>
             <a:fld id="{4D655D80-C074-4645-A762-43177DDC01D5}" type="datetimeFigureOut">
               <a:rPr lang="en-US" smtClean="0"/>
-              <a:t>9/14/2014</a:t>
+              <a:t>12/16/2014</a:t>
             </a:fld>
             <a:endParaRPr lang="en-US"/>
           </a:p>
@@ -8128,7 +8132,7 @@
           <a:p>
             <a:fld id="{4D655D80-C074-4645-A762-43177DDC01D5}" type="datetimeFigureOut">
               <a:rPr lang="en-US" smtClean="0"/>
-              <a:t>9/14/2014</a:t>
+              <a:t>12/16/2014</a:t>
             </a:fld>
             <a:endParaRPr lang="en-US"/>
           </a:p>
@@ -8223,7 +8227,7 @@
           <a:p>
             <a:fld id="{4D655D80-C074-4645-A762-43177DDC01D5}" type="datetimeFigureOut">
               <a:rPr lang="en-US" smtClean="0"/>
-              <a:t>9/14/2014</a:t>
+              <a:t>12/16/2014</a:t>
             </a:fld>
             <a:endParaRPr lang="en-US"/>
           </a:p>
@@ -8500,7 +8504,7 @@
           <a:p>
             <a:fld id="{4D655D80-C074-4645-A762-43177DDC01D5}" type="datetimeFigureOut">
               <a:rPr lang="en-US" smtClean="0"/>
-              <a:t>9/14/2014</a:t>
+              <a:t>12/16/2014</a:t>
             </a:fld>
             <a:endParaRPr lang="en-US"/>
           </a:p>
@@ -8753,7 +8757,7 @@
           <a:p>
             <a:fld id="{4D655D80-C074-4645-A762-43177DDC01D5}" type="datetimeFigureOut">
               <a:rPr lang="en-US" smtClean="0"/>
-              <a:t>9/14/2014</a:t>
+              <a:t>12/16/2014</a:t>
             </a:fld>
             <a:endParaRPr lang="en-US"/>
           </a:p>
@@ -8966,7 +8970,7 @@
           <a:p>
             <a:fld id="{4D655D80-C074-4645-A762-43177DDC01D5}" type="datetimeFigureOut">
               <a:rPr lang="en-US" smtClean="0"/>
-              <a:t>9/14/2014</a:t>
+              <a:t>12/16/2014</a:t>
             </a:fld>
             <a:endParaRPr lang="en-US"/>
           </a:p>
@@ -9503,7 +9507,7 @@
           <a:p>
             <a:fld id="{4D655D80-C074-4645-A762-43177DDC01D5}" type="datetimeFigureOut">
               <a:rPr lang="en-US" smtClean="0"/>
-              <a:t>9/14/2014</a:t>
+              <a:t>12/16/2014</a:t>
             </a:fld>
             <a:endParaRPr lang="en-US"/>
           </a:p>
@@ -10140,6 +10144,1849 @@
     <a:masterClrMapping/>
   </p:clrMapOvr>
   <p:transition/>
+</p:sld>
+</file>
+
+<file path=ppt/slides/slide10.xml><?xml version="1.0" encoding="utf-8"?>
+<p:sld xmlns:a="http://schemas.openxmlformats.org/drawingml/2006/main" xmlns:r="http://schemas.openxmlformats.org/officeDocument/2006/relationships" xmlns:p="http://schemas.openxmlformats.org/presentationml/2006/main">
+  <p:cSld>
+    <p:spTree>
+      <p:nvGrpSpPr>
+        <p:cNvPr id="1" name=""/>
+        <p:cNvGrpSpPr/>
+        <p:nvPr/>
+      </p:nvGrpSpPr>
+      <p:grpSpPr>
+        <a:xfrm>
+          <a:off x="0" y="0"/>
+          <a:ext cx="0" cy="0"/>
+          <a:chOff x="0" y="0"/>
+          <a:chExt cx="0" cy="0"/>
+        </a:xfrm>
+      </p:grpSpPr>
+      <p:sp>
+        <p:nvSpPr>
+          <p:cNvPr id="28" name="TextBox 27"/>
+          <p:cNvSpPr txBox="1"/>
+          <p:nvPr/>
+        </p:nvSpPr>
+        <p:spPr>
+          <a:xfrm>
+            <a:off x="323528" y="156205"/>
+            <a:ext cx="5104282" cy="461665"/>
+          </a:xfrm>
+          <a:prstGeom prst="rect">
+            <a:avLst/>
+          </a:prstGeom>
+          <a:noFill/>
+        </p:spPr>
+        <p:txBody>
+          <a:bodyPr wrap="none" rtlCol="0">
+            <a:spAutoFit/>
+          </a:bodyPr>
+          <a:lstStyle/>
+          <a:p>
+            <a:r>
+              <a:rPr lang="en-GB" sz="2400" b="1" dirty="0" smtClean="0">
+                <a:latin typeface="Algerian" panose="04020705040A02060702" pitchFamily="82" charset="0"/>
+              </a:rPr>
+              <a:t>User Interface – Web Contents</a:t>
+            </a:r>
+            <a:endParaRPr lang="en-GB" sz="2400" b="1" dirty="0">
+              <a:latin typeface="Algerian" panose="04020705040A02060702" pitchFamily="82" charset="0"/>
+            </a:endParaRPr>
+          </a:p>
+        </p:txBody>
+      </p:sp>
+      <p:sp>
+        <p:nvSpPr>
+          <p:cNvPr id="2" name="Rectangle 1"/>
+          <p:cNvSpPr/>
+          <p:nvPr/>
+        </p:nvSpPr>
+        <p:spPr>
+          <a:xfrm>
+            <a:off x="83470" y="1772816"/>
+            <a:ext cx="4344514" cy="4680520"/>
+          </a:xfrm>
+          <a:prstGeom prst="rect">
+            <a:avLst/>
+          </a:prstGeom>
+        </p:spPr>
+        <p:style>
+          <a:lnRef idx="2">
+            <a:schemeClr val="accent1">
+              <a:shade val="50000"/>
+            </a:schemeClr>
+          </a:lnRef>
+          <a:fillRef idx="1">
+            <a:schemeClr val="accent1"/>
+          </a:fillRef>
+          <a:effectRef idx="0">
+            <a:schemeClr val="accent1"/>
+          </a:effectRef>
+          <a:fontRef idx="minor">
+            <a:schemeClr val="lt1"/>
+          </a:fontRef>
+        </p:style>
+        <p:txBody>
+          <a:bodyPr rtlCol="0" anchor="ctr"/>
+          <a:lstStyle/>
+          <a:p>
+            <a:r>
+              <a:rPr lang="en-GB" dirty="0" smtClean="0">
+                <a:latin typeface="Arial" panose="020B0604020202020204" pitchFamily="34" charset="0"/>
+                <a:cs typeface="Arial" panose="020B0604020202020204" pitchFamily="34" charset="0"/>
+              </a:rPr>
+              <a:t>Source Trees</a:t>
+            </a:r>
+          </a:p>
+          <a:p>
+            <a:pPr marL="342900" lvl="0" indent="-342900">
+              <a:lnSpc>
+                <a:spcPct val="115000"/>
+              </a:lnSpc>
+              <a:spcAft>
+                <a:spcPts val="0"/>
+              </a:spcAft>
+              <a:buFont typeface="Wingdings"/>
+              <a:buChar char=""/>
+            </a:pPr>
+            <a:r>
+              <a:rPr lang="en-US" sz="800" dirty="0">
+                <a:latin typeface="Arial" panose="020B0604020202020204" pitchFamily="34" charset="0"/>
+                <a:ea typeface="SimSun"/>
+                <a:cs typeface="Arial" panose="020B0604020202020204" pitchFamily="34" charset="0"/>
+              </a:rPr>
+              <a:t>Master Root (</a:t>
+            </a:r>
+            <a:r>
+              <a:rPr lang="en-US" sz="800" b="1" dirty="0" err="1">
+                <a:solidFill>
+                  <a:srgbClr val="FF0000"/>
+                </a:solidFill>
+                <a:latin typeface="Arial" panose="020B0604020202020204" pitchFamily="34" charset="0"/>
+                <a:ea typeface="SimSun"/>
+                <a:cs typeface="Arial" panose="020B0604020202020204" pitchFamily="34" charset="0"/>
+              </a:rPr>
+              <a:t>MasterRoot</a:t>
+            </a:r>
+            <a:r>
+              <a:rPr lang="en-US" sz="800" dirty="0">
+                <a:latin typeface="Arial" panose="020B0604020202020204" pitchFamily="34" charset="0"/>
+                <a:ea typeface="SimSun"/>
+                <a:cs typeface="Arial" panose="020B0604020202020204" pitchFamily="34" charset="0"/>
+              </a:rPr>
+              <a:t>)</a:t>
+            </a:r>
+            <a:endParaRPr lang="en-GB" sz="800" dirty="0">
+              <a:latin typeface="Arial" panose="020B0604020202020204" pitchFamily="34" charset="0"/>
+              <a:ea typeface="SimSun"/>
+              <a:cs typeface="Arial" panose="020B0604020202020204" pitchFamily="34" charset="0"/>
+            </a:endParaRPr>
+          </a:p>
+          <a:p>
+            <a:pPr marL="742950" lvl="1" indent="-285750">
+              <a:lnSpc>
+                <a:spcPct val="115000"/>
+              </a:lnSpc>
+              <a:spcAft>
+                <a:spcPts val="0"/>
+              </a:spcAft>
+              <a:buFont typeface="Wingdings"/>
+              <a:buChar char=""/>
+            </a:pPr>
+            <a:r>
+              <a:rPr lang="en-US" sz="800" dirty="0">
+                <a:latin typeface="Arial" panose="020B0604020202020204" pitchFamily="34" charset="0"/>
+                <a:ea typeface="SimSun"/>
+                <a:cs typeface="Arial" panose="020B0604020202020204" pitchFamily="34" charset="0"/>
+              </a:rPr>
+              <a:t>Clients (</a:t>
+            </a:r>
+            <a:r>
+              <a:rPr lang="en-US" sz="800" b="1" dirty="0">
+                <a:solidFill>
+                  <a:srgbClr val="FF0000"/>
+                </a:solidFill>
+                <a:latin typeface="Arial" panose="020B0604020202020204" pitchFamily="34" charset="0"/>
+                <a:ea typeface="SimSun"/>
+                <a:cs typeface="Arial" panose="020B0604020202020204" pitchFamily="34" charset="0"/>
+              </a:rPr>
+              <a:t>Client</a:t>
+            </a:r>
+            <a:r>
+              <a:rPr lang="en-US" sz="800" dirty="0">
+                <a:latin typeface="Arial" panose="020B0604020202020204" pitchFamily="34" charset="0"/>
+                <a:ea typeface="SimSun"/>
+                <a:cs typeface="Arial" panose="020B0604020202020204" pitchFamily="34" charset="0"/>
+              </a:rPr>
+              <a:t>)</a:t>
+            </a:r>
+            <a:endParaRPr lang="en-GB" sz="800" dirty="0">
+              <a:latin typeface="Arial" panose="020B0604020202020204" pitchFamily="34" charset="0"/>
+              <a:ea typeface="SimSun"/>
+              <a:cs typeface="Arial" panose="020B0604020202020204" pitchFamily="34" charset="0"/>
+            </a:endParaRPr>
+          </a:p>
+          <a:p>
+            <a:pPr marL="1143000" lvl="2" indent="-228600">
+              <a:lnSpc>
+                <a:spcPct val="115000"/>
+              </a:lnSpc>
+              <a:buFont typeface="Wingdings"/>
+              <a:buChar char=""/>
+            </a:pPr>
+            <a:r>
+              <a:rPr lang="en-US" sz="800" dirty="0">
+                <a:latin typeface="Arial" panose="020B0604020202020204" pitchFamily="34" charset="0"/>
+                <a:ea typeface="SimSun"/>
+                <a:cs typeface="Arial" panose="020B0604020202020204" pitchFamily="34" charset="0"/>
+              </a:rPr>
+              <a:t>Websites (</a:t>
+            </a:r>
+            <a:r>
+              <a:rPr lang="en-US" sz="800" b="1" dirty="0" err="1">
+                <a:solidFill>
+                  <a:srgbClr val="FF0000"/>
+                </a:solidFill>
+                <a:latin typeface="Arial" panose="020B0604020202020204" pitchFamily="34" charset="0"/>
+                <a:ea typeface="SimSun"/>
+                <a:cs typeface="Arial" panose="020B0604020202020204" pitchFamily="34" charset="0"/>
+              </a:rPr>
+              <a:t>WebsiteRoot</a:t>
+            </a:r>
+            <a:r>
+              <a:rPr lang="en-US" sz="800" dirty="0">
+                <a:latin typeface="Arial" panose="020B0604020202020204" pitchFamily="34" charset="0"/>
+                <a:ea typeface="SimSun"/>
+                <a:cs typeface="Arial" panose="020B0604020202020204" pitchFamily="34" charset="0"/>
+              </a:rPr>
+              <a:t>)</a:t>
+            </a:r>
+            <a:endParaRPr lang="en-GB" sz="800" dirty="0">
+              <a:latin typeface="Arial" panose="020B0604020202020204" pitchFamily="34" charset="0"/>
+              <a:ea typeface="SimSun"/>
+              <a:cs typeface="Arial" panose="020B0604020202020204" pitchFamily="34" charset="0"/>
+            </a:endParaRPr>
+          </a:p>
+          <a:p>
+            <a:pPr marL="1600200" lvl="3" indent="-228600">
+              <a:lnSpc>
+                <a:spcPct val="115000"/>
+              </a:lnSpc>
+              <a:spcAft>
+                <a:spcPts val="0"/>
+              </a:spcAft>
+              <a:buFont typeface="Symbol"/>
+              <a:buChar char=""/>
+            </a:pPr>
+            <a:r>
+              <a:rPr lang="en-US" sz="800" dirty="0">
+                <a:latin typeface="Arial" panose="020B0604020202020204" pitchFamily="34" charset="0"/>
+                <a:ea typeface="SimSun"/>
+                <a:cs typeface="Arial" panose="020B0604020202020204" pitchFamily="34" charset="0"/>
+              </a:rPr>
+              <a:t>Website1 (</a:t>
+            </a:r>
+            <a:r>
+              <a:rPr lang="en-US" sz="800" b="1" dirty="0">
+                <a:solidFill>
+                  <a:srgbClr val="FF0000"/>
+                </a:solidFill>
+                <a:latin typeface="Arial" panose="020B0604020202020204" pitchFamily="34" charset="0"/>
+                <a:ea typeface="SimSun"/>
+                <a:cs typeface="Arial" panose="020B0604020202020204" pitchFamily="34" charset="0"/>
+              </a:rPr>
+              <a:t>Website</a:t>
+            </a:r>
+            <a:r>
+              <a:rPr lang="en-US" sz="800" dirty="0">
+                <a:latin typeface="Arial" panose="020B0604020202020204" pitchFamily="34" charset="0"/>
+                <a:ea typeface="SimSun"/>
+                <a:cs typeface="Arial" panose="020B0604020202020204" pitchFamily="34" charset="0"/>
+              </a:rPr>
+              <a:t>)</a:t>
+            </a:r>
+            <a:endParaRPr lang="en-GB" sz="800" dirty="0">
+              <a:latin typeface="Arial" panose="020B0604020202020204" pitchFamily="34" charset="0"/>
+              <a:ea typeface="SimSun"/>
+              <a:cs typeface="Arial" panose="020B0604020202020204" pitchFamily="34" charset="0"/>
+            </a:endParaRPr>
+          </a:p>
+          <a:p>
+            <a:pPr marL="2057400" lvl="4" indent="-228600">
+              <a:lnSpc>
+                <a:spcPct val="115000"/>
+              </a:lnSpc>
+              <a:spcAft>
+                <a:spcPts val="0"/>
+              </a:spcAft>
+              <a:buFont typeface="Symbol"/>
+              <a:buChar char=""/>
+            </a:pPr>
+            <a:r>
+              <a:rPr lang="en-US" sz="800" dirty="0">
+                <a:latin typeface="Arial" panose="020B0604020202020204" pitchFamily="34" charset="0"/>
+                <a:ea typeface="SimSun"/>
+                <a:cs typeface="Arial" panose="020B0604020202020204" pitchFamily="34" charset="0"/>
+              </a:rPr>
+              <a:t>Menu (</a:t>
+            </a:r>
+            <a:r>
+              <a:rPr lang="en-US" sz="800" b="1" dirty="0" err="1">
+                <a:solidFill>
+                  <a:srgbClr val="FF0000"/>
+                </a:solidFill>
+                <a:latin typeface="Arial" panose="020B0604020202020204" pitchFamily="34" charset="0"/>
+                <a:ea typeface="SimSun"/>
+                <a:cs typeface="Arial" panose="020B0604020202020204" pitchFamily="34" charset="0"/>
+              </a:rPr>
+              <a:t>MenuRoot</a:t>
+            </a:r>
+            <a:r>
+              <a:rPr lang="en-US" sz="800" dirty="0">
+                <a:latin typeface="Arial" panose="020B0604020202020204" pitchFamily="34" charset="0"/>
+                <a:ea typeface="SimSun"/>
+                <a:cs typeface="Arial" panose="020B0604020202020204" pitchFamily="34" charset="0"/>
+              </a:rPr>
+              <a:t>)</a:t>
+            </a:r>
+            <a:endParaRPr lang="en-GB" sz="800" dirty="0">
+              <a:latin typeface="Arial" panose="020B0604020202020204" pitchFamily="34" charset="0"/>
+              <a:ea typeface="SimSun"/>
+              <a:cs typeface="Arial" panose="020B0604020202020204" pitchFamily="34" charset="0"/>
+            </a:endParaRPr>
+          </a:p>
+          <a:p>
+            <a:pPr marL="2514600" lvl="5" indent="-228600">
+              <a:lnSpc>
+                <a:spcPct val="115000"/>
+              </a:lnSpc>
+              <a:spcAft>
+                <a:spcPts val="0"/>
+              </a:spcAft>
+              <a:buFont typeface="Wingdings"/>
+              <a:buChar char=""/>
+            </a:pPr>
+            <a:r>
+              <a:rPr lang="en-US" sz="800" dirty="0">
+                <a:latin typeface="Arial" panose="020B0604020202020204" pitchFamily="34" charset="0"/>
+                <a:ea typeface="SimSun"/>
+                <a:cs typeface="Arial" panose="020B0604020202020204" pitchFamily="34" charset="0"/>
+              </a:rPr>
+              <a:t>Menu1 (</a:t>
+            </a:r>
+            <a:r>
+              <a:rPr lang="en-US" sz="800" b="1" dirty="0">
+                <a:solidFill>
+                  <a:srgbClr val="FF0000"/>
+                </a:solidFill>
+                <a:latin typeface="Arial" panose="020B0604020202020204" pitchFamily="34" charset="0"/>
+                <a:ea typeface="SimSun"/>
+                <a:cs typeface="Arial" panose="020B0604020202020204" pitchFamily="34" charset="0"/>
+              </a:rPr>
+              <a:t>Menu</a:t>
+            </a:r>
+            <a:r>
+              <a:rPr lang="en-US" sz="800" dirty="0">
+                <a:latin typeface="Arial" panose="020B0604020202020204" pitchFamily="34" charset="0"/>
+                <a:ea typeface="SimSun"/>
+                <a:cs typeface="Arial" panose="020B0604020202020204" pitchFamily="34" charset="0"/>
+              </a:rPr>
+              <a:t>)</a:t>
+            </a:r>
+            <a:endParaRPr lang="en-GB" sz="800" dirty="0">
+              <a:latin typeface="Arial" panose="020B0604020202020204" pitchFamily="34" charset="0"/>
+              <a:ea typeface="SimSun"/>
+              <a:cs typeface="Arial" panose="020B0604020202020204" pitchFamily="34" charset="0"/>
+            </a:endParaRPr>
+          </a:p>
+          <a:p>
+            <a:pPr marL="2971800" lvl="6" indent="-228600">
+              <a:lnSpc>
+                <a:spcPct val="115000"/>
+              </a:lnSpc>
+              <a:spcAft>
+                <a:spcPts val="0"/>
+              </a:spcAft>
+              <a:buFont typeface="Wingdings"/>
+              <a:buChar char=""/>
+            </a:pPr>
+            <a:r>
+              <a:rPr lang="en-US" sz="800" dirty="0">
+                <a:latin typeface="Arial" panose="020B0604020202020204" pitchFamily="34" charset="0"/>
+                <a:ea typeface="SimSun"/>
+                <a:cs typeface="Arial" panose="020B0604020202020204" pitchFamily="34" charset="0"/>
+              </a:rPr>
+              <a:t>Homepage (</a:t>
+            </a:r>
+            <a:r>
+              <a:rPr lang="en-US" sz="800" b="1" dirty="0" err="1">
+                <a:solidFill>
+                  <a:srgbClr val="FF0000"/>
+                </a:solidFill>
+                <a:latin typeface="Arial" panose="020B0604020202020204" pitchFamily="34" charset="0"/>
+                <a:ea typeface="SimSun"/>
+                <a:cs typeface="Arial" panose="020B0604020202020204" pitchFamily="34" charset="0"/>
+              </a:rPr>
+              <a:t>MenuItem</a:t>
+            </a:r>
+            <a:r>
+              <a:rPr lang="en-US" sz="800" dirty="0">
+                <a:latin typeface="Arial" panose="020B0604020202020204" pitchFamily="34" charset="0"/>
+                <a:ea typeface="SimSun"/>
+                <a:cs typeface="Arial" panose="020B0604020202020204" pitchFamily="34" charset="0"/>
+              </a:rPr>
+              <a:t>)</a:t>
+            </a:r>
+            <a:endParaRPr lang="en-GB" sz="800" dirty="0">
+              <a:latin typeface="Arial" panose="020B0604020202020204" pitchFamily="34" charset="0"/>
+              <a:ea typeface="SimSun"/>
+              <a:cs typeface="Arial" panose="020B0604020202020204" pitchFamily="34" charset="0"/>
+            </a:endParaRPr>
+          </a:p>
+          <a:p>
+            <a:pPr marL="2971800" lvl="6" indent="-228600">
+              <a:lnSpc>
+                <a:spcPct val="115000"/>
+              </a:lnSpc>
+              <a:spcAft>
+                <a:spcPts val="0"/>
+              </a:spcAft>
+              <a:buFont typeface="Wingdings"/>
+              <a:buChar char=""/>
+            </a:pPr>
+            <a:r>
+              <a:rPr lang="en-US" sz="800" dirty="0">
+                <a:latin typeface="Arial" panose="020B0604020202020204" pitchFamily="34" charset="0"/>
+                <a:ea typeface="SimSun"/>
+                <a:cs typeface="Arial" panose="020B0604020202020204" pitchFamily="34" charset="0"/>
+              </a:rPr>
+              <a:t>Products</a:t>
+            </a:r>
+            <a:endParaRPr lang="en-GB" sz="800" dirty="0">
+              <a:latin typeface="Arial" panose="020B0604020202020204" pitchFamily="34" charset="0"/>
+              <a:ea typeface="SimSun"/>
+              <a:cs typeface="Arial" panose="020B0604020202020204" pitchFamily="34" charset="0"/>
+            </a:endParaRPr>
+          </a:p>
+          <a:p>
+            <a:pPr marL="3429000" lvl="7" indent="-228600">
+              <a:lnSpc>
+                <a:spcPct val="115000"/>
+              </a:lnSpc>
+              <a:spcAft>
+                <a:spcPts val="0"/>
+              </a:spcAft>
+              <a:buFont typeface="Symbol"/>
+              <a:buChar char=""/>
+            </a:pPr>
+            <a:r>
+              <a:rPr lang="en-US" sz="800" dirty="0">
+                <a:latin typeface="Arial" panose="020B0604020202020204" pitchFamily="34" charset="0"/>
+                <a:ea typeface="SimSun"/>
+                <a:cs typeface="Arial" panose="020B0604020202020204" pitchFamily="34" charset="0"/>
+              </a:rPr>
+              <a:t>Product1</a:t>
+            </a:r>
+            <a:endParaRPr lang="en-GB" sz="800" dirty="0">
+              <a:latin typeface="Arial" panose="020B0604020202020204" pitchFamily="34" charset="0"/>
+              <a:ea typeface="SimSun"/>
+              <a:cs typeface="Arial" panose="020B0604020202020204" pitchFamily="34" charset="0"/>
+            </a:endParaRPr>
+          </a:p>
+          <a:p>
+            <a:pPr marL="3429000" lvl="7" indent="-228600">
+              <a:lnSpc>
+                <a:spcPct val="115000"/>
+              </a:lnSpc>
+              <a:spcAft>
+                <a:spcPts val="0"/>
+              </a:spcAft>
+              <a:buFont typeface="Symbol"/>
+              <a:buChar char=""/>
+            </a:pPr>
+            <a:r>
+              <a:rPr lang="en-US" sz="800" dirty="0">
+                <a:latin typeface="Arial" panose="020B0604020202020204" pitchFamily="34" charset="0"/>
+                <a:ea typeface="SimSun"/>
+                <a:cs typeface="Arial" panose="020B0604020202020204" pitchFamily="34" charset="0"/>
+              </a:rPr>
+              <a:t>Product2</a:t>
+            </a:r>
+            <a:endParaRPr lang="en-GB" sz="800" dirty="0">
+              <a:latin typeface="Arial" panose="020B0604020202020204" pitchFamily="34" charset="0"/>
+              <a:ea typeface="SimSun"/>
+              <a:cs typeface="Arial" panose="020B0604020202020204" pitchFamily="34" charset="0"/>
+            </a:endParaRPr>
+          </a:p>
+          <a:p>
+            <a:pPr marL="2971800" lvl="6" indent="-228600">
+              <a:lnSpc>
+                <a:spcPct val="115000"/>
+              </a:lnSpc>
+              <a:spcAft>
+                <a:spcPts val="0"/>
+              </a:spcAft>
+              <a:buFont typeface="Wingdings"/>
+              <a:buChar char=""/>
+            </a:pPr>
+            <a:r>
+              <a:rPr lang="en-US" sz="800" dirty="0">
+                <a:latin typeface="Arial" panose="020B0604020202020204" pitchFamily="34" charset="0"/>
+                <a:ea typeface="SimSun"/>
+                <a:cs typeface="Arial" panose="020B0604020202020204" pitchFamily="34" charset="0"/>
+              </a:rPr>
+              <a:t>About Us</a:t>
+            </a:r>
+            <a:endParaRPr lang="en-GB" sz="800" dirty="0">
+              <a:latin typeface="Arial" panose="020B0604020202020204" pitchFamily="34" charset="0"/>
+              <a:ea typeface="SimSun"/>
+              <a:cs typeface="Arial" panose="020B0604020202020204" pitchFamily="34" charset="0"/>
+            </a:endParaRPr>
+          </a:p>
+          <a:p>
+            <a:pPr marL="2971800" lvl="6" indent="-228600">
+              <a:lnSpc>
+                <a:spcPct val="115000"/>
+              </a:lnSpc>
+              <a:spcAft>
+                <a:spcPts val="0"/>
+              </a:spcAft>
+              <a:buFont typeface="Wingdings"/>
+              <a:buChar char=""/>
+            </a:pPr>
+            <a:r>
+              <a:rPr lang="en-US" sz="800" dirty="0">
+                <a:latin typeface="Arial" panose="020B0604020202020204" pitchFamily="34" charset="0"/>
+                <a:ea typeface="SimSun"/>
+                <a:cs typeface="Arial" panose="020B0604020202020204" pitchFamily="34" charset="0"/>
+              </a:rPr>
+              <a:t>Contact</a:t>
+            </a:r>
+            <a:endParaRPr lang="en-GB" sz="800" dirty="0">
+              <a:latin typeface="Arial" panose="020B0604020202020204" pitchFamily="34" charset="0"/>
+              <a:ea typeface="SimSun"/>
+              <a:cs typeface="Arial" panose="020B0604020202020204" pitchFamily="34" charset="0"/>
+            </a:endParaRPr>
+          </a:p>
+          <a:p>
+            <a:pPr marL="2514600" lvl="5" indent="-228600">
+              <a:lnSpc>
+                <a:spcPct val="115000"/>
+              </a:lnSpc>
+              <a:spcAft>
+                <a:spcPts val="0"/>
+              </a:spcAft>
+              <a:buFont typeface="Wingdings"/>
+              <a:buChar char=""/>
+            </a:pPr>
+            <a:r>
+              <a:rPr lang="en-US" sz="800" dirty="0">
+                <a:latin typeface="Arial" panose="020B0604020202020204" pitchFamily="34" charset="0"/>
+                <a:ea typeface="SimSun"/>
+                <a:cs typeface="Arial" panose="020B0604020202020204" pitchFamily="34" charset="0"/>
+              </a:rPr>
+              <a:t>Menu2 (</a:t>
+            </a:r>
+            <a:r>
+              <a:rPr lang="en-US" sz="800" b="1" dirty="0">
+                <a:solidFill>
+                  <a:srgbClr val="FF0000"/>
+                </a:solidFill>
+                <a:latin typeface="Arial" panose="020B0604020202020204" pitchFamily="34" charset="0"/>
+                <a:ea typeface="SimSun"/>
+                <a:cs typeface="Arial" panose="020B0604020202020204" pitchFamily="34" charset="0"/>
+              </a:rPr>
+              <a:t>Menu</a:t>
+            </a:r>
+            <a:r>
+              <a:rPr lang="en-US" sz="800" dirty="0">
+                <a:latin typeface="Arial" panose="020B0604020202020204" pitchFamily="34" charset="0"/>
+                <a:ea typeface="SimSun"/>
+                <a:cs typeface="Arial" panose="020B0604020202020204" pitchFamily="34" charset="0"/>
+              </a:rPr>
+              <a:t>)</a:t>
+            </a:r>
+            <a:endParaRPr lang="en-GB" sz="800" dirty="0">
+              <a:latin typeface="Arial" panose="020B0604020202020204" pitchFamily="34" charset="0"/>
+              <a:ea typeface="SimSun"/>
+              <a:cs typeface="Arial" panose="020B0604020202020204" pitchFamily="34" charset="0"/>
+            </a:endParaRPr>
+          </a:p>
+          <a:p>
+            <a:pPr marL="2971800" lvl="6" indent="-228600">
+              <a:lnSpc>
+                <a:spcPct val="115000"/>
+              </a:lnSpc>
+              <a:spcAft>
+                <a:spcPts val="0"/>
+              </a:spcAft>
+              <a:buFont typeface="Wingdings"/>
+              <a:buChar char=""/>
+            </a:pPr>
+            <a:r>
+              <a:rPr lang="en-US" sz="800" dirty="0">
+                <a:latin typeface="Arial" panose="020B0604020202020204" pitchFamily="34" charset="0"/>
+                <a:ea typeface="SimSun"/>
+                <a:cs typeface="Arial" panose="020B0604020202020204" pitchFamily="34" charset="0"/>
+              </a:rPr>
+              <a:t>Spring Landing page</a:t>
+            </a:r>
+            <a:endParaRPr lang="en-GB" sz="800" dirty="0">
+              <a:latin typeface="Arial" panose="020B0604020202020204" pitchFamily="34" charset="0"/>
+              <a:ea typeface="SimSun"/>
+              <a:cs typeface="Arial" panose="020B0604020202020204" pitchFamily="34" charset="0"/>
+            </a:endParaRPr>
+          </a:p>
+          <a:p>
+            <a:pPr marL="2057400" lvl="4" indent="-228600">
+              <a:lnSpc>
+                <a:spcPct val="115000"/>
+              </a:lnSpc>
+              <a:spcAft>
+                <a:spcPts val="0"/>
+              </a:spcAft>
+              <a:buFont typeface="Symbol"/>
+              <a:buChar char=""/>
+            </a:pPr>
+            <a:r>
+              <a:rPr lang="en-US" sz="800" dirty="0">
+                <a:latin typeface="Arial" panose="020B0604020202020204" pitchFamily="34" charset="0"/>
+                <a:ea typeface="SimSun"/>
+                <a:cs typeface="Arial" panose="020B0604020202020204" pitchFamily="34" charset="0"/>
+              </a:rPr>
+              <a:t>Pages (</a:t>
+            </a:r>
+            <a:r>
+              <a:rPr lang="en-US" sz="800" b="1" dirty="0" err="1">
+                <a:solidFill>
+                  <a:srgbClr val="FF0000"/>
+                </a:solidFill>
+                <a:latin typeface="Arial" panose="020B0604020202020204" pitchFamily="34" charset="0"/>
+                <a:ea typeface="SimSun"/>
+                <a:cs typeface="Arial" panose="020B0604020202020204" pitchFamily="34" charset="0"/>
+              </a:rPr>
+              <a:t>PageRoot</a:t>
+            </a:r>
+            <a:r>
+              <a:rPr lang="en-US" sz="800" dirty="0">
+                <a:latin typeface="Arial" panose="020B0604020202020204" pitchFamily="34" charset="0"/>
+                <a:ea typeface="SimSun"/>
+                <a:cs typeface="Arial" panose="020B0604020202020204" pitchFamily="34" charset="0"/>
+              </a:rPr>
+              <a:t>)</a:t>
+            </a:r>
+            <a:endParaRPr lang="en-GB" sz="800" dirty="0">
+              <a:latin typeface="Arial" panose="020B0604020202020204" pitchFamily="34" charset="0"/>
+              <a:ea typeface="SimSun"/>
+              <a:cs typeface="Arial" panose="020B0604020202020204" pitchFamily="34" charset="0"/>
+            </a:endParaRPr>
+          </a:p>
+          <a:p>
+            <a:pPr marL="2514600" lvl="5" indent="-228600">
+              <a:lnSpc>
+                <a:spcPct val="115000"/>
+              </a:lnSpc>
+              <a:spcAft>
+                <a:spcPts val="0"/>
+              </a:spcAft>
+              <a:buFont typeface="Wingdings"/>
+              <a:buChar char=""/>
+            </a:pPr>
+            <a:r>
+              <a:rPr lang="en-US" sz="800" dirty="0">
+                <a:latin typeface="Arial" panose="020B0604020202020204" pitchFamily="34" charset="0"/>
+                <a:ea typeface="SimSun"/>
+                <a:cs typeface="Arial" panose="020B0604020202020204" pitchFamily="34" charset="0"/>
+              </a:rPr>
+              <a:t>Layout1 (</a:t>
+            </a:r>
+            <a:r>
+              <a:rPr lang="en-US" sz="800" b="1" dirty="0">
+                <a:solidFill>
+                  <a:srgbClr val="FF0000"/>
+                </a:solidFill>
+                <a:latin typeface="Arial" panose="020B0604020202020204" pitchFamily="34" charset="0"/>
+                <a:ea typeface="SimSun"/>
+                <a:cs typeface="Arial" panose="020B0604020202020204" pitchFamily="34" charset="0"/>
+              </a:rPr>
+              <a:t>Layout</a:t>
+            </a:r>
+            <a:r>
+              <a:rPr lang="en-US" sz="800" dirty="0">
+                <a:latin typeface="Arial" panose="020B0604020202020204" pitchFamily="34" charset="0"/>
+                <a:ea typeface="SimSun"/>
+                <a:cs typeface="Arial" panose="020B0604020202020204" pitchFamily="34" charset="0"/>
+              </a:rPr>
+              <a:t>)</a:t>
+            </a:r>
+            <a:endParaRPr lang="en-GB" sz="800" dirty="0">
+              <a:latin typeface="Arial" panose="020B0604020202020204" pitchFamily="34" charset="0"/>
+              <a:ea typeface="SimSun"/>
+              <a:cs typeface="Arial" panose="020B0604020202020204" pitchFamily="34" charset="0"/>
+            </a:endParaRPr>
+          </a:p>
+          <a:p>
+            <a:pPr marL="2971800" lvl="6" indent="-228600">
+              <a:lnSpc>
+                <a:spcPct val="115000"/>
+              </a:lnSpc>
+              <a:spcAft>
+                <a:spcPts val="0"/>
+              </a:spcAft>
+              <a:buFont typeface="Wingdings"/>
+              <a:buChar char=""/>
+            </a:pPr>
+            <a:r>
+              <a:rPr lang="en-US" sz="800" dirty="0">
+                <a:latin typeface="Arial" panose="020B0604020202020204" pitchFamily="34" charset="0"/>
+                <a:ea typeface="SimSun"/>
+                <a:cs typeface="Arial" panose="020B0604020202020204" pitchFamily="34" charset="0"/>
+              </a:rPr>
+              <a:t>Page1 (</a:t>
+            </a:r>
+            <a:r>
+              <a:rPr lang="en-US" sz="800" b="1" dirty="0">
+                <a:solidFill>
+                  <a:srgbClr val="FF0000"/>
+                </a:solidFill>
+                <a:latin typeface="Arial" panose="020B0604020202020204" pitchFamily="34" charset="0"/>
+                <a:ea typeface="SimSun"/>
+                <a:cs typeface="Arial" panose="020B0604020202020204" pitchFamily="34" charset="0"/>
+              </a:rPr>
+              <a:t>Page</a:t>
+            </a:r>
+            <a:r>
+              <a:rPr lang="en-US" sz="800" dirty="0">
+                <a:latin typeface="Arial" panose="020B0604020202020204" pitchFamily="34" charset="0"/>
+                <a:ea typeface="SimSun"/>
+                <a:cs typeface="Arial" panose="020B0604020202020204" pitchFamily="34" charset="0"/>
+              </a:rPr>
+              <a:t>)</a:t>
+            </a:r>
+            <a:endParaRPr lang="en-GB" sz="800" dirty="0">
+              <a:latin typeface="Arial" panose="020B0604020202020204" pitchFamily="34" charset="0"/>
+              <a:ea typeface="SimSun"/>
+              <a:cs typeface="Arial" panose="020B0604020202020204" pitchFamily="34" charset="0"/>
+            </a:endParaRPr>
+          </a:p>
+          <a:p>
+            <a:pPr marL="3429000" lvl="7" indent="-228600">
+              <a:lnSpc>
+                <a:spcPct val="115000"/>
+              </a:lnSpc>
+              <a:spcAft>
+                <a:spcPts val="0"/>
+              </a:spcAft>
+              <a:buFont typeface="Symbol"/>
+              <a:buChar char=""/>
+            </a:pPr>
+            <a:r>
+              <a:rPr lang="en-US" sz="800" dirty="0">
+                <a:latin typeface="Arial" panose="020B0604020202020204" pitchFamily="34" charset="0"/>
+                <a:ea typeface="SimSun"/>
+                <a:cs typeface="Arial" panose="020B0604020202020204" pitchFamily="34" charset="0"/>
+              </a:rPr>
+              <a:t>Page7</a:t>
+            </a:r>
+            <a:endParaRPr lang="en-GB" sz="800" dirty="0">
+              <a:latin typeface="Arial" panose="020B0604020202020204" pitchFamily="34" charset="0"/>
+              <a:ea typeface="SimSun"/>
+              <a:cs typeface="Arial" panose="020B0604020202020204" pitchFamily="34" charset="0"/>
+            </a:endParaRPr>
+          </a:p>
+          <a:p>
+            <a:pPr marL="3429000" lvl="7" indent="-228600">
+              <a:lnSpc>
+                <a:spcPct val="115000"/>
+              </a:lnSpc>
+              <a:spcAft>
+                <a:spcPts val="0"/>
+              </a:spcAft>
+              <a:buFont typeface="Symbol"/>
+              <a:buChar char=""/>
+            </a:pPr>
+            <a:r>
+              <a:rPr lang="en-US" sz="800" dirty="0">
+                <a:latin typeface="Arial" panose="020B0604020202020204" pitchFamily="34" charset="0"/>
+                <a:ea typeface="SimSun"/>
+                <a:cs typeface="Arial" panose="020B0604020202020204" pitchFamily="34" charset="0"/>
+              </a:rPr>
+              <a:t>Page8</a:t>
+            </a:r>
+            <a:endParaRPr lang="en-GB" sz="800" dirty="0">
+              <a:latin typeface="Arial" panose="020B0604020202020204" pitchFamily="34" charset="0"/>
+              <a:ea typeface="SimSun"/>
+              <a:cs typeface="Arial" panose="020B0604020202020204" pitchFamily="34" charset="0"/>
+            </a:endParaRPr>
+          </a:p>
+          <a:p>
+            <a:pPr marL="2971800" lvl="6" indent="-228600">
+              <a:lnSpc>
+                <a:spcPct val="115000"/>
+              </a:lnSpc>
+              <a:spcAft>
+                <a:spcPts val="0"/>
+              </a:spcAft>
+              <a:buFont typeface="Wingdings"/>
+              <a:buChar char=""/>
+            </a:pPr>
+            <a:r>
+              <a:rPr lang="en-US" sz="800" dirty="0">
+                <a:latin typeface="Arial" panose="020B0604020202020204" pitchFamily="34" charset="0"/>
+                <a:ea typeface="SimSun"/>
+                <a:cs typeface="Arial" panose="020B0604020202020204" pitchFamily="34" charset="0"/>
+              </a:rPr>
+              <a:t>Page2</a:t>
+            </a:r>
+            <a:endParaRPr lang="en-GB" sz="800" dirty="0">
+              <a:latin typeface="Arial" panose="020B0604020202020204" pitchFamily="34" charset="0"/>
+              <a:ea typeface="SimSun"/>
+              <a:cs typeface="Arial" panose="020B0604020202020204" pitchFamily="34" charset="0"/>
+            </a:endParaRPr>
+          </a:p>
+          <a:p>
+            <a:pPr marL="2971800" lvl="6" indent="-228600">
+              <a:lnSpc>
+                <a:spcPct val="115000"/>
+              </a:lnSpc>
+              <a:spcAft>
+                <a:spcPts val="0"/>
+              </a:spcAft>
+              <a:buFont typeface="Wingdings"/>
+              <a:buChar char=""/>
+            </a:pPr>
+            <a:r>
+              <a:rPr lang="en-US" sz="800" dirty="0">
+                <a:latin typeface="Arial" panose="020B0604020202020204" pitchFamily="34" charset="0"/>
+                <a:ea typeface="SimSun"/>
+                <a:cs typeface="Arial" panose="020B0604020202020204" pitchFamily="34" charset="0"/>
+              </a:rPr>
+              <a:t>Page3</a:t>
+            </a:r>
+            <a:endParaRPr lang="en-GB" sz="800" dirty="0">
+              <a:latin typeface="Arial" panose="020B0604020202020204" pitchFamily="34" charset="0"/>
+              <a:ea typeface="SimSun"/>
+              <a:cs typeface="Arial" panose="020B0604020202020204" pitchFamily="34" charset="0"/>
+            </a:endParaRPr>
+          </a:p>
+          <a:p>
+            <a:pPr marL="2514600" lvl="5" indent="-228600">
+              <a:lnSpc>
+                <a:spcPct val="115000"/>
+              </a:lnSpc>
+              <a:spcAft>
+                <a:spcPts val="0"/>
+              </a:spcAft>
+              <a:buFont typeface="Wingdings"/>
+              <a:buChar char=""/>
+            </a:pPr>
+            <a:r>
+              <a:rPr lang="en-US" sz="800" dirty="0">
+                <a:latin typeface="Arial" panose="020B0604020202020204" pitchFamily="34" charset="0"/>
+                <a:ea typeface="SimSun"/>
+                <a:cs typeface="Arial" panose="020B0604020202020204" pitchFamily="34" charset="0"/>
+              </a:rPr>
+              <a:t>Layout2</a:t>
+            </a:r>
+            <a:endParaRPr lang="en-GB" sz="800" dirty="0">
+              <a:latin typeface="Arial" panose="020B0604020202020204" pitchFamily="34" charset="0"/>
+              <a:ea typeface="SimSun"/>
+              <a:cs typeface="Arial" panose="020B0604020202020204" pitchFamily="34" charset="0"/>
+            </a:endParaRPr>
+          </a:p>
+          <a:p>
+            <a:pPr marL="2971800" lvl="6" indent="-228600">
+              <a:lnSpc>
+                <a:spcPct val="115000"/>
+              </a:lnSpc>
+              <a:spcAft>
+                <a:spcPts val="0"/>
+              </a:spcAft>
+              <a:buFont typeface="Wingdings"/>
+              <a:buChar char=""/>
+            </a:pPr>
+            <a:r>
+              <a:rPr lang="en-US" sz="800" dirty="0">
+                <a:latin typeface="Arial" panose="020B0604020202020204" pitchFamily="34" charset="0"/>
+                <a:ea typeface="SimSun"/>
+                <a:cs typeface="Arial" panose="020B0604020202020204" pitchFamily="34" charset="0"/>
+              </a:rPr>
+              <a:t>Page4</a:t>
+            </a:r>
+            <a:endParaRPr lang="en-GB" sz="800" dirty="0">
+              <a:latin typeface="Arial" panose="020B0604020202020204" pitchFamily="34" charset="0"/>
+              <a:ea typeface="SimSun"/>
+              <a:cs typeface="Arial" panose="020B0604020202020204" pitchFamily="34" charset="0"/>
+            </a:endParaRPr>
+          </a:p>
+          <a:p>
+            <a:pPr marL="2971800" lvl="6" indent="-228600">
+              <a:lnSpc>
+                <a:spcPct val="115000"/>
+              </a:lnSpc>
+              <a:spcAft>
+                <a:spcPts val="0"/>
+              </a:spcAft>
+              <a:buFont typeface="Wingdings"/>
+              <a:buChar char=""/>
+            </a:pPr>
+            <a:r>
+              <a:rPr lang="en-US" sz="800" dirty="0">
+                <a:latin typeface="Arial" panose="020B0604020202020204" pitchFamily="34" charset="0"/>
+                <a:ea typeface="SimSun"/>
+                <a:cs typeface="Arial" panose="020B0604020202020204" pitchFamily="34" charset="0"/>
+              </a:rPr>
+              <a:t>Page5</a:t>
+            </a:r>
+            <a:endParaRPr lang="en-GB" sz="800" dirty="0">
+              <a:latin typeface="Arial" panose="020B0604020202020204" pitchFamily="34" charset="0"/>
+              <a:ea typeface="SimSun"/>
+              <a:cs typeface="Arial" panose="020B0604020202020204" pitchFamily="34" charset="0"/>
+            </a:endParaRPr>
+          </a:p>
+          <a:p>
+            <a:pPr marL="3429000" lvl="7" indent="-228600">
+              <a:lnSpc>
+                <a:spcPct val="115000"/>
+              </a:lnSpc>
+              <a:spcAft>
+                <a:spcPts val="0"/>
+              </a:spcAft>
+              <a:buFont typeface="Symbol"/>
+              <a:buChar char=""/>
+            </a:pPr>
+            <a:r>
+              <a:rPr lang="en-US" sz="800" dirty="0">
+                <a:latin typeface="Arial" panose="020B0604020202020204" pitchFamily="34" charset="0"/>
+                <a:ea typeface="SimSun"/>
+                <a:cs typeface="Arial" panose="020B0604020202020204" pitchFamily="34" charset="0"/>
+              </a:rPr>
+              <a:t>Page9</a:t>
+            </a:r>
+            <a:endParaRPr lang="en-GB" sz="800" dirty="0">
+              <a:latin typeface="Arial" panose="020B0604020202020204" pitchFamily="34" charset="0"/>
+              <a:ea typeface="SimSun"/>
+              <a:cs typeface="Arial" panose="020B0604020202020204" pitchFamily="34" charset="0"/>
+            </a:endParaRPr>
+          </a:p>
+          <a:p>
+            <a:pPr marL="3429000" lvl="7" indent="-228600">
+              <a:lnSpc>
+                <a:spcPct val="115000"/>
+              </a:lnSpc>
+              <a:spcAft>
+                <a:spcPts val="0"/>
+              </a:spcAft>
+              <a:buFont typeface="Symbol"/>
+              <a:buChar char=""/>
+            </a:pPr>
+            <a:r>
+              <a:rPr lang="en-US" sz="800" dirty="0">
+                <a:latin typeface="Arial" panose="020B0604020202020204" pitchFamily="34" charset="0"/>
+                <a:ea typeface="SimSun"/>
+                <a:cs typeface="Arial" panose="020B0604020202020204" pitchFamily="34" charset="0"/>
+              </a:rPr>
+              <a:t>Page10</a:t>
+            </a:r>
+            <a:endParaRPr lang="en-GB" sz="800" dirty="0">
+              <a:latin typeface="Arial" panose="020B0604020202020204" pitchFamily="34" charset="0"/>
+              <a:ea typeface="SimSun"/>
+              <a:cs typeface="Arial" panose="020B0604020202020204" pitchFamily="34" charset="0"/>
+            </a:endParaRPr>
+          </a:p>
+          <a:p>
+            <a:pPr marL="2971800" lvl="6" indent="-228600">
+              <a:lnSpc>
+                <a:spcPct val="115000"/>
+              </a:lnSpc>
+              <a:spcAft>
+                <a:spcPts val="0"/>
+              </a:spcAft>
+              <a:buFont typeface="Wingdings"/>
+              <a:buChar char=""/>
+            </a:pPr>
+            <a:r>
+              <a:rPr lang="en-US" sz="800" dirty="0">
+                <a:latin typeface="Arial" panose="020B0604020202020204" pitchFamily="34" charset="0"/>
+                <a:ea typeface="SimSun"/>
+                <a:cs typeface="Arial" panose="020B0604020202020204" pitchFamily="34" charset="0"/>
+              </a:rPr>
+              <a:t>Page6</a:t>
+            </a:r>
+            <a:endParaRPr lang="en-GB" sz="800" dirty="0">
+              <a:latin typeface="Arial" panose="020B0604020202020204" pitchFamily="34" charset="0"/>
+              <a:ea typeface="SimSun"/>
+              <a:cs typeface="Arial" panose="020B0604020202020204" pitchFamily="34" charset="0"/>
+            </a:endParaRPr>
+          </a:p>
+          <a:p>
+            <a:pPr marL="1600200" lvl="3" indent="-228600">
+              <a:lnSpc>
+                <a:spcPct val="115000"/>
+              </a:lnSpc>
+              <a:spcAft>
+                <a:spcPts val="0"/>
+              </a:spcAft>
+              <a:buFont typeface="Symbol"/>
+              <a:buChar char=""/>
+            </a:pPr>
+            <a:r>
+              <a:rPr lang="en-US" sz="800" dirty="0">
+                <a:latin typeface="Arial" panose="020B0604020202020204" pitchFamily="34" charset="0"/>
+                <a:ea typeface="SimSun"/>
+                <a:cs typeface="Arial" panose="020B0604020202020204" pitchFamily="34" charset="0"/>
+              </a:rPr>
+              <a:t>Website2 (</a:t>
+            </a:r>
+            <a:r>
+              <a:rPr lang="en-US" sz="800" b="1" dirty="0">
+                <a:solidFill>
+                  <a:srgbClr val="FF0000"/>
+                </a:solidFill>
+                <a:latin typeface="Arial" panose="020B0604020202020204" pitchFamily="34" charset="0"/>
+                <a:ea typeface="SimSun"/>
+                <a:cs typeface="Arial" panose="020B0604020202020204" pitchFamily="34" charset="0"/>
+              </a:rPr>
+              <a:t>Website</a:t>
+            </a:r>
+            <a:r>
+              <a:rPr lang="en-US" sz="800" dirty="0">
+                <a:latin typeface="Arial" panose="020B0604020202020204" pitchFamily="34" charset="0"/>
+                <a:ea typeface="SimSun"/>
+                <a:cs typeface="Arial" panose="020B0604020202020204" pitchFamily="34" charset="0"/>
+              </a:rPr>
+              <a:t>)</a:t>
+            </a:r>
+            <a:endParaRPr lang="en-GB" sz="800" dirty="0">
+              <a:latin typeface="Arial" panose="020B0604020202020204" pitchFamily="34" charset="0"/>
+              <a:ea typeface="SimSun"/>
+              <a:cs typeface="Arial" panose="020B0604020202020204" pitchFamily="34" charset="0"/>
+            </a:endParaRPr>
+          </a:p>
+          <a:p>
+            <a:pPr marL="1143000" lvl="2" indent="-228600">
+              <a:lnSpc>
+                <a:spcPct val="115000"/>
+              </a:lnSpc>
+              <a:spcAft>
+                <a:spcPts val="0"/>
+              </a:spcAft>
+              <a:buFont typeface="Wingdings"/>
+              <a:buChar char=""/>
+            </a:pPr>
+            <a:r>
+              <a:rPr lang="en-US" sz="800" dirty="0">
+                <a:latin typeface="Arial" panose="020B0604020202020204" pitchFamily="34" charset="0"/>
+                <a:ea typeface="SimSun"/>
+                <a:cs typeface="Arial" panose="020B0604020202020204" pitchFamily="34" charset="0"/>
+              </a:rPr>
+              <a:t>Modules (</a:t>
+            </a:r>
+            <a:r>
+              <a:rPr lang="en-US" sz="800" b="1" dirty="0" err="1">
+                <a:solidFill>
+                  <a:srgbClr val="FF0000"/>
+                </a:solidFill>
+                <a:latin typeface="Arial" panose="020B0604020202020204" pitchFamily="34" charset="0"/>
+                <a:ea typeface="SimSun"/>
+                <a:cs typeface="Arial" panose="020B0604020202020204" pitchFamily="34" charset="0"/>
+              </a:rPr>
+              <a:t>ModuleRoot</a:t>
+            </a:r>
+            <a:r>
+              <a:rPr lang="en-US" sz="800" dirty="0">
+                <a:latin typeface="Arial" panose="020B0604020202020204" pitchFamily="34" charset="0"/>
+                <a:ea typeface="SimSun"/>
+                <a:cs typeface="Arial" panose="020B0604020202020204" pitchFamily="34" charset="0"/>
+              </a:rPr>
+              <a:t>)</a:t>
+            </a:r>
+            <a:endParaRPr lang="en-GB" sz="800" dirty="0">
+              <a:latin typeface="Arial" panose="020B0604020202020204" pitchFamily="34" charset="0"/>
+              <a:ea typeface="SimSun"/>
+              <a:cs typeface="Arial" panose="020B0604020202020204" pitchFamily="34" charset="0"/>
+            </a:endParaRPr>
+          </a:p>
+          <a:p>
+            <a:pPr marL="1600200" lvl="3" indent="-228600">
+              <a:lnSpc>
+                <a:spcPct val="115000"/>
+              </a:lnSpc>
+              <a:spcAft>
+                <a:spcPts val="0"/>
+              </a:spcAft>
+              <a:buFont typeface="Symbol"/>
+              <a:buChar char=""/>
+            </a:pPr>
+            <a:r>
+              <a:rPr lang="en-US" sz="800" dirty="0">
+                <a:latin typeface="Arial" panose="020B0604020202020204" pitchFamily="34" charset="0"/>
+                <a:ea typeface="SimSun"/>
+                <a:cs typeface="Arial" panose="020B0604020202020204" pitchFamily="34" charset="0"/>
+              </a:rPr>
+              <a:t>Module1 (</a:t>
+            </a:r>
+            <a:r>
+              <a:rPr lang="en-US" sz="800" b="1" dirty="0">
+                <a:solidFill>
+                  <a:srgbClr val="FF0000"/>
+                </a:solidFill>
+                <a:latin typeface="Arial" panose="020B0604020202020204" pitchFamily="34" charset="0"/>
+                <a:ea typeface="SimSun"/>
+                <a:cs typeface="Arial" panose="020B0604020202020204" pitchFamily="34" charset="0"/>
+              </a:rPr>
+              <a:t>Module</a:t>
+            </a:r>
+            <a:r>
+              <a:rPr lang="en-US" sz="800" dirty="0">
+                <a:latin typeface="Arial" panose="020B0604020202020204" pitchFamily="34" charset="0"/>
+                <a:ea typeface="SimSun"/>
+                <a:cs typeface="Arial" panose="020B0604020202020204" pitchFamily="34" charset="0"/>
+              </a:rPr>
+              <a:t>)</a:t>
+            </a:r>
+            <a:endParaRPr lang="en-GB" sz="800" dirty="0">
+              <a:latin typeface="Arial" panose="020B0604020202020204" pitchFamily="34" charset="0"/>
+              <a:ea typeface="SimSun"/>
+              <a:cs typeface="Arial" panose="020B0604020202020204" pitchFamily="34" charset="0"/>
+            </a:endParaRPr>
+          </a:p>
+          <a:p>
+            <a:pPr marL="1600200" lvl="3" indent="-228600">
+              <a:lnSpc>
+                <a:spcPct val="115000"/>
+              </a:lnSpc>
+              <a:spcAft>
+                <a:spcPts val="0"/>
+              </a:spcAft>
+              <a:buFont typeface="Symbol"/>
+              <a:buChar char=""/>
+            </a:pPr>
+            <a:r>
+              <a:rPr lang="en-US" sz="800" dirty="0">
+                <a:latin typeface="Arial" panose="020B0604020202020204" pitchFamily="34" charset="0"/>
+                <a:ea typeface="SimSun"/>
+                <a:cs typeface="Arial" panose="020B0604020202020204" pitchFamily="34" charset="0"/>
+              </a:rPr>
+              <a:t>Module2</a:t>
+            </a:r>
+            <a:endParaRPr lang="en-GB" sz="800" dirty="0">
+              <a:latin typeface="Arial" panose="020B0604020202020204" pitchFamily="34" charset="0"/>
+              <a:ea typeface="SimSun"/>
+              <a:cs typeface="Arial" panose="020B0604020202020204" pitchFamily="34" charset="0"/>
+            </a:endParaRPr>
+          </a:p>
+          <a:p>
+            <a:pPr marL="1143000" lvl="2" indent="-228600">
+              <a:lnSpc>
+                <a:spcPct val="115000"/>
+              </a:lnSpc>
+              <a:spcAft>
+                <a:spcPts val="0"/>
+              </a:spcAft>
+              <a:buFont typeface="Wingdings"/>
+              <a:buChar char=""/>
+            </a:pPr>
+            <a:r>
+              <a:rPr lang="en-US" sz="800" dirty="0">
+                <a:latin typeface="Arial" panose="020B0604020202020204" pitchFamily="34" charset="0"/>
+                <a:ea typeface="SimSun"/>
+                <a:cs typeface="Arial" panose="020B0604020202020204" pitchFamily="34" charset="0"/>
+              </a:rPr>
+              <a:t>Contents (</a:t>
+            </a:r>
+            <a:r>
+              <a:rPr lang="en-US" sz="800" b="1" dirty="0" err="1">
+                <a:solidFill>
+                  <a:srgbClr val="FF0000"/>
+                </a:solidFill>
+                <a:latin typeface="Arial" panose="020B0604020202020204" pitchFamily="34" charset="0"/>
+                <a:ea typeface="SimSun"/>
+                <a:cs typeface="Arial" panose="020B0604020202020204" pitchFamily="34" charset="0"/>
+              </a:rPr>
+              <a:t>ContentRoot</a:t>
+            </a:r>
+            <a:r>
+              <a:rPr lang="en-US" sz="800" dirty="0">
+                <a:latin typeface="Arial" panose="020B0604020202020204" pitchFamily="34" charset="0"/>
+                <a:ea typeface="SimSun"/>
+                <a:cs typeface="Arial" panose="020B0604020202020204" pitchFamily="34" charset="0"/>
+              </a:rPr>
+              <a:t>)</a:t>
+            </a:r>
+            <a:endParaRPr lang="en-GB" sz="800" dirty="0">
+              <a:latin typeface="Arial" panose="020B0604020202020204" pitchFamily="34" charset="0"/>
+              <a:ea typeface="SimSun"/>
+              <a:cs typeface="Arial" panose="020B0604020202020204" pitchFamily="34" charset="0"/>
+            </a:endParaRPr>
+          </a:p>
+          <a:p>
+            <a:pPr marL="1600200" lvl="3" indent="-228600">
+              <a:lnSpc>
+                <a:spcPct val="115000"/>
+              </a:lnSpc>
+              <a:spcAft>
+                <a:spcPts val="1000"/>
+              </a:spcAft>
+              <a:buFont typeface="Symbol"/>
+              <a:buChar char=""/>
+            </a:pPr>
+            <a:r>
+              <a:rPr lang="en-US" sz="800" dirty="0">
+                <a:latin typeface="Arial" panose="020B0604020202020204" pitchFamily="34" charset="0"/>
+                <a:ea typeface="SimSun"/>
+                <a:cs typeface="Arial" panose="020B0604020202020204" pitchFamily="34" charset="0"/>
+              </a:rPr>
+              <a:t>Category1 (</a:t>
+            </a:r>
+            <a:r>
+              <a:rPr lang="en-US" sz="800" b="1" dirty="0">
+                <a:solidFill>
+                  <a:srgbClr val="FF0000"/>
+                </a:solidFill>
+                <a:latin typeface="Arial" panose="020B0604020202020204" pitchFamily="34" charset="0"/>
+                <a:ea typeface="SimSun"/>
+                <a:cs typeface="Arial" panose="020B0604020202020204" pitchFamily="34" charset="0"/>
+              </a:rPr>
+              <a:t>Category</a:t>
+            </a:r>
+            <a:r>
+              <a:rPr lang="en-US" sz="800" dirty="0">
+                <a:latin typeface="Arial" panose="020B0604020202020204" pitchFamily="34" charset="0"/>
+                <a:ea typeface="SimSun"/>
+                <a:cs typeface="Arial" panose="020B0604020202020204" pitchFamily="34" charset="0"/>
+              </a:rPr>
+              <a:t>)</a:t>
+            </a:r>
+            <a:endParaRPr lang="en-GB" sz="800" dirty="0">
+              <a:latin typeface="Arial" panose="020B0604020202020204" pitchFamily="34" charset="0"/>
+              <a:ea typeface="SimSun"/>
+              <a:cs typeface="Arial" panose="020B0604020202020204" pitchFamily="34" charset="0"/>
+            </a:endParaRPr>
+          </a:p>
+          <a:p>
+            <a:endParaRPr lang="en-GB" sz="800" dirty="0">
+              <a:latin typeface="Arial" panose="020B0604020202020204" pitchFamily="34" charset="0"/>
+              <a:cs typeface="Arial" panose="020B0604020202020204" pitchFamily="34" charset="0"/>
+            </a:endParaRPr>
+          </a:p>
+        </p:txBody>
+      </p:sp>
+      <p:sp>
+        <p:nvSpPr>
+          <p:cNvPr id="3" name="Rectangle 2"/>
+          <p:cNvSpPr/>
+          <p:nvPr/>
+        </p:nvSpPr>
+        <p:spPr>
+          <a:xfrm>
+            <a:off x="83470" y="617870"/>
+            <a:ext cx="8881018" cy="299195"/>
+          </a:xfrm>
+          <a:prstGeom prst="rect">
+            <a:avLst/>
+          </a:prstGeom>
+        </p:spPr>
+        <p:style>
+          <a:lnRef idx="2">
+            <a:schemeClr val="accent1">
+              <a:shade val="50000"/>
+            </a:schemeClr>
+          </a:lnRef>
+          <a:fillRef idx="1">
+            <a:schemeClr val="accent1"/>
+          </a:fillRef>
+          <a:effectRef idx="0">
+            <a:schemeClr val="accent1"/>
+          </a:effectRef>
+          <a:fontRef idx="minor">
+            <a:schemeClr val="lt1"/>
+          </a:fontRef>
+        </p:style>
+        <p:txBody>
+          <a:bodyPr rtlCol="0" anchor="ctr"/>
+          <a:lstStyle/>
+          <a:p>
+            <a:r>
+              <a:rPr lang="en-GB" dirty="0" smtClean="0"/>
+              <a:t>Logo / Version					       Login / Notification / Message</a:t>
+            </a:r>
+            <a:endParaRPr lang="en-GB" dirty="0"/>
+          </a:p>
+        </p:txBody>
+      </p:sp>
+      <p:sp>
+        <p:nvSpPr>
+          <p:cNvPr id="216" name="Rectangle 215"/>
+          <p:cNvSpPr/>
+          <p:nvPr/>
+        </p:nvSpPr>
+        <p:spPr>
+          <a:xfrm>
+            <a:off x="83470" y="956715"/>
+            <a:ext cx="8881018" cy="299195"/>
+          </a:xfrm>
+          <a:prstGeom prst="rect">
+            <a:avLst/>
+          </a:prstGeom>
+        </p:spPr>
+        <p:style>
+          <a:lnRef idx="2">
+            <a:schemeClr val="accent1">
+              <a:shade val="50000"/>
+            </a:schemeClr>
+          </a:lnRef>
+          <a:fillRef idx="1">
+            <a:schemeClr val="accent1"/>
+          </a:fillRef>
+          <a:effectRef idx="0">
+            <a:schemeClr val="accent1"/>
+          </a:effectRef>
+          <a:fontRef idx="minor">
+            <a:schemeClr val="lt1"/>
+          </a:fontRef>
+        </p:style>
+        <p:txBody>
+          <a:bodyPr rtlCol="0" anchor="ctr"/>
+          <a:lstStyle/>
+          <a:p>
+            <a:r>
+              <a:rPr lang="en-GB" dirty="0" smtClean="0"/>
+              <a:t>Dashboard | Web Contents | Websites| File Manager | Analytics | Permissions</a:t>
+            </a:r>
+            <a:endParaRPr lang="en-GB" dirty="0"/>
+          </a:p>
+        </p:txBody>
+      </p:sp>
+      <p:sp>
+        <p:nvSpPr>
+          <p:cNvPr id="217" name="Rectangle 216"/>
+          <p:cNvSpPr/>
+          <p:nvPr/>
+        </p:nvSpPr>
+        <p:spPr>
+          <a:xfrm>
+            <a:off x="4604291" y="1772816"/>
+            <a:ext cx="4344514" cy="4680520"/>
+          </a:xfrm>
+          <a:prstGeom prst="rect">
+            <a:avLst/>
+          </a:prstGeom>
+        </p:spPr>
+        <p:style>
+          <a:lnRef idx="2">
+            <a:schemeClr val="accent1">
+              <a:shade val="50000"/>
+            </a:schemeClr>
+          </a:lnRef>
+          <a:fillRef idx="1">
+            <a:schemeClr val="accent1"/>
+          </a:fillRef>
+          <a:effectRef idx="0">
+            <a:schemeClr val="accent1"/>
+          </a:effectRef>
+          <a:fontRef idx="minor">
+            <a:schemeClr val="lt1"/>
+          </a:fontRef>
+        </p:style>
+        <p:txBody>
+          <a:bodyPr rtlCol="0" anchor="ctr"/>
+          <a:lstStyle/>
+          <a:p>
+            <a:pPr algn="ctr"/>
+            <a:r>
+              <a:rPr lang="en-GB" dirty="0" smtClean="0"/>
+              <a:t>Form</a:t>
+            </a:r>
+            <a:endParaRPr lang="en-GB" dirty="0"/>
+          </a:p>
+        </p:txBody>
+      </p:sp>
+      <p:sp>
+        <p:nvSpPr>
+          <p:cNvPr id="220" name="Rectangle 219"/>
+          <p:cNvSpPr/>
+          <p:nvPr/>
+        </p:nvSpPr>
+        <p:spPr>
+          <a:xfrm>
+            <a:off x="83470" y="6514181"/>
+            <a:ext cx="8881018" cy="299195"/>
+          </a:xfrm>
+          <a:prstGeom prst="rect">
+            <a:avLst/>
+          </a:prstGeom>
+        </p:spPr>
+        <p:style>
+          <a:lnRef idx="2">
+            <a:schemeClr val="accent1">
+              <a:shade val="50000"/>
+            </a:schemeClr>
+          </a:lnRef>
+          <a:fillRef idx="1">
+            <a:schemeClr val="accent1"/>
+          </a:fillRef>
+          <a:effectRef idx="0">
+            <a:schemeClr val="accent1"/>
+          </a:effectRef>
+          <a:fontRef idx="minor">
+            <a:schemeClr val="lt1"/>
+          </a:fontRef>
+        </p:style>
+        <p:txBody>
+          <a:bodyPr rtlCol="0" anchor="ctr"/>
+          <a:lstStyle/>
+          <a:p>
+            <a:r>
+              <a:rPr lang="en-GB" dirty="0" smtClean="0"/>
+              <a:t>About |Channel |Contacts</a:t>
+            </a:r>
+            <a:endParaRPr lang="en-GB" dirty="0"/>
+          </a:p>
+        </p:txBody>
+      </p:sp>
+      <p:sp>
+        <p:nvSpPr>
+          <p:cNvPr id="4" name="Rectangle 3"/>
+          <p:cNvSpPr/>
+          <p:nvPr/>
+        </p:nvSpPr>
+        <p:spPr>
+          <a:xfrm>
+            <a:off x="83471" y="1340768"/>
+            <a:ext cx="8881018" cy="360040"/>
+          </a:xfrm>
+          <a:prstGeom prst="rect">
+            <a:avLst/>
+          </a:prstGeom>
+        </p:spPr>
+        <p:style>
+          <a:lnRef idx="2">
+            <a:schemeClr val="accent1">
+              <a:shade val="50000"/>
+            </a:schemeClr>
+          </a:lnRef>
+          <a:fillRef idx="1">
+            <a:schemeClr val="accent1"/>
+          </a:fillRef>
+          <a:effectRef idx="0">
+            <a:schemeClr val="accent1"/>
+          </a:effectRef>
+          <a:fontRef idx="minor">
+            <a:schemeClr val="lt1"/>
+          </a:fontRef>
+        </p:style>
+        <p:txBody>
+          <a:bodyPr rtlCol="0" anchor="ctr"/>
+          <a:lstStyle/>
+          <a:p>
+            <a:r>
+              <a:rPr lang="en-GB" dirty="0" smtClean="0"/>
+              <a:t>Sub Action1 | Action 2 | Action 3 | Action 4 | Text Information</a:t>
+            </a:r>
+            <a:endParaRPr lang="en-GB" dirty="0"/>
+          </a:p>
+        </p:txBody>
+      </p:sp>
+    </p:spTree>
+    <p:extLst>
+      <p:ext uri="{BB962C8B-B14F-4D97-AF65-F5344CB8AC3E}">
+        <p14:creationId xmlns:p14="http://schemas.microsoft.com/office/powerpoint/2010/main" val="3363956978"/>
+      </p:ext>
+    </p:extLst>
+  </p:cSld>
+  <p:clrMapOvr>
+    <a:masterClrMapping/>
+  </p:clrMapOvr>
+</p:sld>
+</file>
+
+<file path=ppt/slides/slide11.xml><?xml version="1.0" encoding="utf-8"?>
+<p:sld xmlns:a="http://schemas.openxmlformats.org/drawingml/2006/main" xmlns:r="http://schemas.openxmlformats.org/officeDocument/2006/relationships" xmlns:p="http://schemas.openxmlformats.org/presentationml/2006/main">
+  <p:cSld>
+    <p:spTree>
+      <p:nvGrpSpPr>
+        <p:cNvPr id="1" name=""/>
+        <p:cNvGrpSpPr/>
+        <p:nvPr/>
+      </p:nvGrpSpPr>
+      <p:grpSpPr>
+        <a:xfrm>
+          <a:off x="0" y="0"/>
+          <a:ext cx="0" cy="0"/>
+          <a:chOff x="0" y="0"/>
+          <a:chExt cx="0" cy="0"/>
+        </a:xfrm>
+      </p:grpSpPr>
+      <p:sp>
+        <p:nvSpPr>
+          <p:cNvPr id="28" name="TextBox 27"/>
+          <p:cNvSpPr txBox="1"/>
+          <p:nvPr/>
+        </p:nvSpPr>
+        <p:spPr>
+          <a:xfrm>
+            <a:off x="323528" y="156205"/>
+            <a:ext cx="4100803" cy="461665"/>
+          </a:xfrm>
+          <a:prstGeom prst="rect">
+            <a:avLst/>
+          </a:prstGeom>
+          <a:noFill/>
+        </p:spPr>
+        <p:txBody>
+          <a:bodyPr wrap="none" rtlCol="0">
+            <a:spAutoFit/>
+          </a:bodyPr>
+          <a:lstStyle/>
+          <a:p>
+            <a:r>
+              <a:rPr lang="en-GB" sz="2400" b="1" dirty="0" smtClean="0">
+                <a:latin typeface="Algerian" panose="04020705040A02060702" pitchFamily="82" charset="0"/>
+              </a:rPr>
+              <a:t>User Interface – Sub UI s</a:t>
+            </a:r>
+            <a:endParaRPr lang="en-GB" sz="2400" b="1" dirty="0">
+              <a:latin typeface="Algerian" panose="04020705040A02060702" pitchFamily="82" charset="0"/>
+            </a:endParaRPr>
+          </a:p>
+        </p:txBody>
+      </p:sp>
+      <p:sp>
+        <p:nvSpPr>
+          <p:cNvPr id="3" name="Rectangle 2"/>
+          <p:cNvSpPr/>
+          <p:nvPr/>
+        </p:nvSpPr>
+        <p:spPr>
+          <a:xfrm>
+            <a:off x="83470" y="617870"/>
+            <a:ext cx="8881018" cy="299195"/>
+          </a:xfrm>
+          <a:prstGeom prst="rect">
+            <a:avLst/>
+          </a:prstGeom>
+        </p:spPr>
+        <p:style>
+          <a:lnRef idx="2">
+            <a:schemeClr val="accent1">
+              <a:shade val="50000"/>
+            </a:schemeClr>
+          </a:lnRef>
+          <a:fillRef idx="1">
+            <a:schemeClr val="accent1"/>
+          </a:fillRef>
+          <a:effectRef idx="0">
+            <a:schemeClr val="accent1"/>
+          </a:effectRef>
+          <a:fontRef idx="minor">
+            <a:schemeClr val="lt1"/>
+          </a:fontRef>
+        </p:style>
+        <p:txBody>
+          <a:bodyPr rtlCol="0" anchor="ctr"/>
+          <a:lstStyle/>
+          <a:p>
+            <a:r>
+              <a:rPr lang="en-GB" dirty="0" smtClean="0"/>
+              <a:t>Logo / Version					       Login / Notification / Message</a:t>
+            </a:r>
+            <a:endParaRPr lang="en-GB" dirty="0"/>
+          </a:p>
+        </p:txBody>
+      </p:sp>
+      <p:sp>
+        <p:nvSpPr>
+          <p:cNvPr id="216" name="Rectangle 215"/>
+          <p:cNvSpPr/>
+          <p:nvPr/>
+        </p:nvSpPr>
+        <p:spPr>
+          <a:xfrm>
+            <a:off x="83470" y="956715"/>
+            <a:ext cx="8881018" cy="299195"/>
+          </a:xfrm>
+          <a:prstGeom prst="rect">
+            <a:avLst/>
+          </a:prstGeom>
+        </p:spPr>
+        <p:style>
+          <a:lnRef idx="2">
+            <a:schemeClr val="accent1">
+              <a:shade val="50000"/>
+            </a:schemeClr>
+          </a:lnRef>
+          <a:fillRef idx="1">
+            <a:schemeClr val="accent1"/>
+          </a:fillRef>
+          <a:effectRef idx="0">
+            <a:schemeClr val="accent1"/>
+          </a:effectRef>
+          <a:fontRef idx="minor">
+            <a:schemeClr val="lt1"/>
+          </a:fontRef>
+        </p:style>
+        <p:txBody>
+          <a:bodyPr rtlCol="0" anchor="ctr"/>
+          <a:lstStyle/>
+          <a:p>
+            <a:r>
+              <a:rPr lang="en-GB" dirty="0" smtClean="0"/>
+              <a:t>Dashboard | Web Contents | Websites| File Manager | Analytics | Permissions</a:t>
+            </a:r>
+            <a:endParaRPr lang="en-GB" dirty="0"/>
+          </a:p>
+        </p:txBody>
+      </p:sp>
+      <p:sp>
+        <p:nvSpPr>
+          <p:cNvPr id="217" name="Rectangle 216"/>
+          <p:cNvSpPr/>
+          <p:nvPr/>
+        </p:nvSpPr>
+        <p:spPr>
+          <a:xfrm>
+            <a:off x="971599" y="1340768"/>
+            <a:ext cx="7977205" cy="5112568"/>
+          </a:xfrm>
+          <a:prstGeom prst="rect">
+            <a:avLst/>
+          </a:prstGeom>
+        </p:spPr>
+        <p:style>
+          <a:lnRef idx="2">
+            <a:schemeClr val="accent1">
+              <a:shade val="50000"/>
+            </a:schemeClr>
+          </a:lnRef>
+          <a:fillRef idx="1">
+            <a:schemeClr val="accent1"/>
+          </a:fillRef>
+          <a:effectRef idx="0">
+            <a:schemeClr val="accent1"/>
+          </a:effectRef>
+          <a:fontRef idx="minor">
+            <a:schemeClr val="lt1"/>
+          </a:fontRef>
+        </p:style>
+        <p:txBody>
+          <a:bodyPr rtlCol="0" anchor="ctr"/>
+          <a:lstStyle/>
+          <a:p>
+            <a:pPr algn="ctr"/>
+            <a:r>
+              <a:rPr lang="en-GB" dirty="0" smtClean="0"/>
+              <a:t>Form</a:t>
+            </a:r>
+            <a:endParaRPr lang="en-GB" dirty="0"/>
+          </a:p>
+        </p:txBody>
+      </p:sp>
+      <p:sp>
+        <p:nvSpPr>
+          <p:cNvPr id="220" name="Rectangle 219"/>
+          <p:cNvSpPr/>
+          <p:nvPr/>
+        </p:nvSpPr>
+        <p:spPr>
+          <a:xfrm>
+            <a:off x="83470" y="6514181"/>
+            <a:ext cx="8881018" cy="299195"/>
+          </a:xfrm>
+          <a:prstGeom prst="rect">
+            <a:avLst/>
+          </a:prstGeom>
+        </p:spPr>
+        <p:style>
+          <a:lnRef idx="2">
+            <a:schemeClr val="accent1">
+              <a:shade val="50000"/>
+            </a:schemeClr>
+          </a:lnRef>
+          <a:fillRef idx="1">
+            <a:schemeClr val="accent1"/>
+          </a:fillRef>
+          <a:effectRef idx="0">
+            <a:schemeClr val="accent1"/>
+          </a:effectRef>
+          <a:fontRef idx="minor">
+            <a:schemeClr val="lt1"/>
+          </a:fontRef>
+        </p:style>
+        <p:txBody>
+          <a:bodyPr rtlCol="0" anchor="ctr"/>
+          <a:lstStyle/>
+          <a:p>
+            <a:r>
+              <a:rPr lang="en-GB" dirty="0" smtClean="0"/>
+              <a:t>About |Channel |Contacts</a:t>
+            </a:r>
+            <a:endParaRPr lang="en-GB" dirty="0"/>
+          </a:p>
+        </p:txBody>
+      </p:sp>
+      <p:sp>
+        <p:nvSpPr>
+          <p:cNvPr id="4" name="Rectangle 3"/>
+          <p:cNvSpPr/>
+          <p:nvPr/>
+        </p:nvSpPr>
+        <p:spPr>
+          <a:xfrm>
+            <a:off x="83471" y="1340768"/>
+            <a:ext cx="816121" cy="5112568"/>
+          </a:xfrm>
+          <a:prstGeom prst="rect">
+            <a:avLst/>
+          </a:prstGeom>
+        </p:spPr>
+        <p:style>
+          <a:lnRef idx="2">
+            <a:schemeClr val="accent1">
+              <a:shade val="50000"/>
+            </a:schemeClr>
+          </a:lnRef>
+          <a:fillRef idx="1">
+            <a:schemeClr val="accent1"/>
+          </a:fillRef>
+          <a:effectRef idx="0">
+            <a:schemeClr val="accent1"/>
+          </a:effectRef>
+          <a:fontRef idx="minor">
+            <a:schemeClr val="lt1"/>
+          </a:fontRef>
+        </p:style>
+        <p:txBody>
+          <a:bodyPr rtlCol="0" anchor="ctr"/>
+          <a:lstStyle/>
+          <a:p>
+            <a:r>
+              <a:rPr lang="en-GB" sz="1050" dirty="0" smtClean="0"/>
+              <a:t>Sub Action1 | Action 2 | Action 3 | Action 4 | Text Information</a:t>
+            </a:r>
+            <a:endParaRPr lang="en-GB" sz="1050" dirty="0"/>
+          </a:p>
+        </p:txBody>
+      </p:sp>
+    </p:spTree>
+    <p:extLst>
+      <p:ext uri="{BB962C8B-B14F-4D97-AF65-F5344CB8AC3E}">
+        <p14:creationId xmlns:p14="http://schemas.microsoft.com/office/powerpoint/2010/main" val="3598466766"/>
+      </p:ext>
+    </p:extLst>
+  </p:cSld>
+  <p:clrMapOvr>
+    <a:masterClrMapping/>
+  </p:clrMapOvr>
+</p:sld>
+</file>
+
+<file path=ppt/slides/slide12.xml><?xml version="1.0" encoding="utf-8"?>
+<p:sld xmlns:a="http://schemas.openxmlformats.org/drawingml/2006/main" xmlns:r="http://schemas.openxmlformats.org/officeDocument/2006/relationships" xmlns:p="http://schemas.openxmlformats.org/presentationml/2006/main">
+  <p:cSld>
+    <p:spTree>
+      <p:nvGrpSpPr>
+        <p:cNvPr id="1" name=""/>
+        <p:cNvGrpSpPr/>
+        <p:nvPr/>
+      </p:nvGrpSpPr>
+      <p:grpSpPr>
+        <a:xfrm>
+          <a:off x="0" y="0"/>
+          <a:ext cx="0" cy="0"/>
+          <a:chOff x="0" y="0"/>
+          <a:chExt cx="0" cy="0"/>
+        </a:xfrm>
+      </p:grpSpPr>
+      <p:sp>
+        <p:nvSpPr>
+          <p:cNvPr id="28" name="TextBox 27"/>
+          <p:cNvSpPr txBox="1"/>
+          <p:nvPr/>
+        </p:nvSpPr>
+        <p:spPr>
+          <a:xfrm>
+            <a:off x="323528" y="156205"/>
+            <a:ext cx="4971233" cy="461665"/>
+          </a:xfrm>
+          <a:prstGeom prst="rect">
+            <a:avLst/>
+          </a:prstGeom>
+          <a:noFill/>
+        </p:spPr>
+        <p:txBody>
+          <a:bodyPr wrap="none" rtlCol="0">
+            <a:spAutoFit/>
+          </a:bodyPr>
+          <a:lstStyle/>
+          <a:p>
+            <a:r>
+              <a:rPr lang="en-GB" sz="2400" b="1" dirty="0" smtClean="0">
+                <a:latin typeface="Algerian" panose="04020705040A02060702" pitchFamily="82" charset="0"/>
+              </a:rPr>
+              <a:t>User Interface – </a:t>
+            </a:r>
+            <a:r>
+              <a:rPr lang="en-GB" sz="2400" b="1" dirty="0" smtClean="0">
+                <a:latin typeface="Algerian" panose="04020705040A02060702" pitchFamily="82" charset="0"/>
+              </a:rPr>
+              <a:t>HTML </a:t>
+            </a:r>
+            <a:r>
+              <a:rPr lang="en-GB" sz="2400" b="1" dirty="0" err="1" smtClean="0">
+                <a:latin typeface="Algerian" panose="04020705040A02060702" pitchFamily="82" charset="0"/>
+              </a:rPr>
+              <a:t>Priview</a:t>
+            </a:r>
+            <a:endParaRPr lang="en-GB" sz="2400" b="1" dirty="0">
+              <a:latin typeface="Algerian" panose="04020705040A02060702" pitchFamily="82" charset="0"/>
+            </a:endParaRPr>
+          </a:p>
+        </p:txBody>
+      </p:sp>
+      <p:pic>
+        <p:nvPicPr>
+          <p:cNvPr id="2" name="Picture 1"/>
+          <p:cNvPicPr>
+            <a:picLocks noChangeAspect="1"/>
+          </p:cNvPicPr>
+          <p:nvPr/>
+        </p:nvPicPr>
+        <p:blipFill>
+          <a:blip r:embed="rId2">
+            <a:extLst>
+              <a:ext uri="{28A0092B-C50C-407E-A947-70E740481C1C}">
+                <a14:useLocalDpi xmlns:a14="http://schemas.microsoft.com/office/drawing/2010/main" val="0"/>
+              </a:ext>
+            </a:extLst>
+          </a:blip>
+          <a:stretch>
+            <a:fillRect/>
+          </a:stretch>
+        </p:blipFill>
+        <p:spPr>
+          <a:xfrm>
+            <a:off x="226853" y="764704"/>
+            <a:ext cx="8820472" cy="5874019"/>
+          </a:xfrm>
+          <a:prstGeom prst="rect">
+            <a:avLst/>
+          </a:prstGeom>
+        </p:spPr>
+      </p:pic>
+    </p:spTree>
+    <p:extLst>
+      <p:ext uri="{BB962C8B-B14F-4D97-AF65-F5344CB8AC3E}">
+        <p14:creationId xmlns:p14="http://schemas.microsoft.com/office/powerpoint/2010/main" val="235377158"/>
+      </p:ext>
+    </p:extLst>
+  </p:cSld>
+  <p:clrMapOvr>
+    <a:masterClrMapping/>
+  </p:clrMapOvr>
 </p:sld>
 </file>
 
@@ -31688,6 +33535,375 @@
 </p:sld>
 </file>
 
+<file path=ppt/slides/slide9.xml><?xml version="1.0" encoding="utf-8"?>
+<p:sld xmlns:a="http://schemas.openxmlformats.org/drawingml/2006/main" xmlns:r="http://schemas.openxmlformats.org/officeDocument/2006/relationships" xmlns:p="http://schemas.openxmlformats.org/presentationml/2006/main">
+  <p:cSld>
+    <p:spTree>
+      <p:nvGrpSpPr>
+        <p:cNvPr id="1" name=""/>
+        <p:cNvGrpSpPr/>
+        <p:nvPr/>
+      </p:nvGrpSpPr>
+      <p:grpSpPr>
+        <a:xfrm>
+          <a:off x="0" y="0"/>
+          <a:ext cx="0" cy="0"/>
+          <a:chOff x="0" y="0"/>
+          <a:chExt cx="0" cy="0"/>
+        </a:xfrm>
+      </p:grpSpPr>
+      <p:sp>
+        <p:nvSpPr>
+          <p:cNvPr id="28" name="TextBox 27"/>
+          <p:cNvSpPr txBox="1"/>
+          <p:nvPr/>
+        </p:nvSpPr>
+        <p:spPr>
+          <a:xfrm>
+            <a:off x="323528" y="156205"/>
+            <a:ext cx="4661854" cy="461665"/>
+          </a:xfrm>
+          <a:prstGeom prst="rect">
+            <a:avLst/>
+          </a:prstGeom>
+          <a:noFill/>
+        </p:spPr>
+        <p:txBody>
+          <a:bodyPr wrap="none" rtlCol="0">
+            <a:spAutoFit/>
+          </a:bodyPr>
+          <a:lstStyle/>
+          <a:p>
+            <a:r>
+              <a:rPr lang="en-GB" sz="2400" b="1" dirty="0" smtClean="0">
+                <a:latin typeface="Algerian" panose="04020705040A02060702" pitchFamily="82" charset="0"/>
+              </a:rPr>
+              <a:t>User Interface - Dashboard</a:t>
+            </a:r>
+            <a:endParaRPr lang="en-GB" sz="2400" b="1" dirty="0">
+              <a:latin typeface="Algerian" panose="04020705040A02060702" pitchFamily="82" charset="0"/>
+            </a:endParaRPr>
+          </a:p>
+        </p:txBody>
+      </p:sp>
+      <p:sp>
+        <p:nvSpPr>
+          <p:cNvPr id="2" name="Rectangle 1"/>
+          <p:cNvSpPr/>
+          <p:nvPr/>
+        </p:nvSpPr>
+        <p:spPr>
+          <a:xfrm>
+            <a:off x="83470" y="1340768"/>
+            <a:ext cx="4344514" cy="2520280"/>
+          </a:xfrm>
+          <a:prstGeom prst="rect">
+            <a:avLst/>
+          </a:prstGeom>
+        </p:spPr>
+        <p:style>
+          <a:lnRef idx="2">
+            <a:schemeClr val="accent1">
+              <a:shade val="50000"/>
+            </a:schemeClr>
+          </a:lnRef>
+          <a:fillRef idx="1">
+            <a:schemeClr val="accent1"/>
+          </a:fillRef>
+          <a:effectRef idx="0">
+            <a:schemeClr val="accent1"/>
+          </a:effectRef>
+          <a:fontRef idx="minor">
+            <a:schemeClr val="lt1"/>
+          </a:fontRef>
+        </p:style>
+        <p:txBody>
+          <a:bodyPr rtlCol="0" anchor="ctr"/>
+          <a:lstStyle/>
+          <a:p>
+            <a:pPr algn="ctr"/>
+            <a:r>
+              <a:rPr lang="en-GB" dirty="0" smtClean="0"/>
+              <a:t>Customizable Information</a:t>
+            </a:r>
+            <a:endParaRPr lang="en-GB" dirty="0"/>
+          </a:p>
+        </p:txBody>
+      </p:sp>
+      <p:sp>
+        <p:nvSpPr>
+          <p:cNvPr id="3" name="Rectangle 2"/>
+          <p:cNvSpPr/>
+          <p:nvPr/>
+        </p:nvSpPr>
+        <p:spPr>
+          <a:xfrm>
+            <a:off x="83470" y="617870"/>
+            <a:ext cx="8881018" cy="299195"/>
+          </a:xfrm>
+          <a:prstGeom prst="rect">
+            <a:avLst/>
+          </a:prstGeom>
+        </p:spPr>
+        <p:style>
+          <a:lnRef idx="2">
+            <a:schemeClr val="accent1">
+              <a:shade val="50000"/>
+            </a:schemeClr>
+          </a:lnRef>
+          <a:fillRef idx="1">
+            <a:schemeClr val="accent1"/>
+          </a:fillRef>
+          <a:effectRef idx="0">
+            <a:schemeClr val="accent1"/>
+          </a:effectRef>
+          <a:fontRef idx="minor">
+            <a:schemeClr val="lt1"/>
+          </a:fontRef>
+        </p:style>
+        <p:txBody>
+          <a:bodyPr rtlCol="0" anchor="ctr"/>
+          <a:lstStyle/>
+          <a:p>
+            <a:r>
+              <a:rPr lang="en-GB" dirty="0" smtClean="0"/>
+              <a:t>Logo / Version					       Login / Notification / Message</a:t>
+            </a:r>
+            <a:endParaRPr lang="en-GB" dirty="0"/>
+          </a:p>
+        </p:txBody>
+      </p:sp>
+      <p:sp>
+        <p:nvSpPr>
+          <p:cNvPr id="216" name="Rectangle 215"/>
+          <p:cNvSpPr/>
+          <p:nvPr/>
+        </p:nvSpPr>
+        <p:spPr>
+          <a:xfrm>
+            <a:off x="83470" y="956715"/>
+            <a:ext cx="8881018" cy="299195"/>
+          </a:xfrm>
+          <a:prstGeom prst="rect">
+            <a:avLst/>
+          </a:prstGeom>
+        </p:spPr>
+        <p:style>
+          <a:lnRef idx="2">
+            <a:schemeClr val="accent1">
+              <a:shade val="50000"/>
+            </a:schemeClr>
+          </a:lnRef>
+          <a:fillRef idx="1">
+            <a:schemeClr val="accent1"/>
+          </a:fillRef>
+          <a:effectRef idx="0">
+            <a:schemeClr val="accent1"/>
+          </a:effectRef>
+          <a:fontRef idx="minor">
+            <a:schemeClr val="lt1"/>
+          </a:fontRef>
+        </p:style>
+        <p:txBody>
+          <a:bodyPr rtlCol="0" anchor="ctr"/>
+          <a:lstStyle/>
+          <a:p>
+            <a:r>
+              <a:rPr lang="en-GB" dirty="0" smtClean="0"/>
+              <a:t>Dashboard | Web Contents | Websites| File Manager | Analytics | Permissions</a:t>
+            </a:r>
+            <a:endParaRPr lang="en-GB" dirty="0"/>
+          </a:p>
+        </p:txBody>
+      </p:sp>
+      <p:sp>
+        <p:nvSpPr>
+          <p:cNvPr id="217" name="Rectangle 216"/>
+          <p:cNvSpPr/>
+          <p:nvPr/>
+        </p:nvSpPr>
+        <p:spPr>
+          <a:xfrm>
+            <a:off x="4604291" y="1340768"/>
+            <a:ext cx="4344514" cy="2520280"/>
+          </a:xfrm>
+          <a:prstGeom prst="rect">
+            <a:avLst/>
+          </a:prstGeom>
+        </p:spPr>
+        <p:style>
+          <a:lnRef idx="2">
+            <a:schemeClr val="accent1">
+              <a:shade val="50000"/>
+            </a:schemeClr>
+          </a:lnRef>
+          <a:fillRef idx="1">
+            <a:schemeClr val="accent1"/>
+          </a:fillRef>
+          <a:effectRef idx="0">
+            <a:schemeClr val="accent1"/>
+          </a:effectRef>
+          <a:fontRef idx="minor">
+            <a:schemeClr val="lt1"/>
+          </a:fontRef>
+        </p:style>
+        <p:txBody>
+          <a:bodyPr rtlCol="0" anchor="ctr"/>
+          <a:lstStyle/>
+          <a:p>
+            <a:pPr algn="ctr"/>
+            <a:r>
+              <a:rPr lang="en-GB" dirty="0" smtClean="0"/>
+              <a:t>Customizable Information</a:t>
+            </a:r>
+            <a:endParaRPr lang="en-GB" dirty="0"/>
+          </a:p>
+        </p:txBody>
+      </p:sp>
+      <p:sp>
+        <p:nvSpPr>
+          <p:cNvPr id="218" name="Rectangle 217"/>
+          <p:cNvSpPr/>
+          <p:nvPr/>
+        </p:nvSpPr>
+        <p:spPr>
+          <a:xfrm>
+            <a:off x="83470" y="3933056"/>
+            <a:ext cx="4344514" cy="2520280"/>
+          </a:xfrm>
+          <a:prstGeom prst="rect">
+            <a:avLst/>
+          </a:prstGeom>
+        </p:spPr>
+        <p:style>
+          <a:lnRef idx="2">
+            <a:schemeClr val="accent1">
+              <a:shade val="50000"/>
+            </a:schemeClr>
+          </a:lnRef>
+          <a:fillRef idx="1">
+            <a:schemeClr val="accent1"/>
+          </a:fillRef>
+          <a:effectRef idx="0">
+            <a:schemeClr val="accent1"/>
+          </a:effectRef>
+          <a:fontRef idx="minor">
+            <a:schemeClr val="lt1"/>
+          </a:fontRef>
+        </p:style>
+        <p:txBody>
+          <a:bodyPr rtlCol="0" anchor="ctr"/>
+          <a:lstStyle/>
+          <a:p>
+            <a:pPr algn="ctr"/>
+            <a:r>
+              <a:rPr lang="en-GB" dirty="0" smtClean="0"/>
+              <a:t>Customizable Information</a:t>
+            </a:r>
+            <a:endParaRPr lang="en-GB" dirty="0"/>
+          </a:p>
+        </p:txBody>
+      </p:sp>
+      <p:sp>
+        <p:nvSpPr>
+          <p:cNvPr id="219" name="Rectangle 218"/>
+          <p:cNvSpPr/>
+          <p:nvPr/>
+        </p:nvSpPr>
+        <p:spPr>
+          <a:xfrm>
+            <a:off x="4622740" y="3933056"/>
+            <a:ext cx="4344514" cy="2520280"/>
+          </a:xfrm>
+          <a:prstGeom prst="rect">
+            <a:avLst/>
+          </a:prstGeom>
+        </p:spPr>
+        <p:style>
+          <a:lnRef idx="2">
+            <a:schemeClr val="accent1">
+              <a:shade val="50000"/>
+            </a:schemeClr>
+          </a:lnRef>
+          <a:fillRef idx="1">
+            <a:schemeClr val="accent1"/>
+          </a:fillRef>
+          <a:effectRef idx="0">
+            <a:schemeClr val="accent1"/>
+          </a:effectRef>
+          <a:fontRef idx="minor">
+            <a:schemeClr val="lt1"/>
+          </a:fontRef>
+        </p:style>
+        <p:txBody>
+          <a:bodyPr rtlCol="0" anchor="ctr"/>
+          <a:lstStyle/>
+          <a:p>
+            <a:pPr algn="ctr"/>
+            <a:r>
+              <a:rPr lang="en-GB" dirty="0" smtClean="0"/>
+              <a:t>Customizable Information</a:t>
+            </a:r>
+            <a:endParaRPr lang="en-GB" dirty="0"/>
+          </a:p>
+        </p:txBody>
+      </p:sp>
+      <p:sp>
+        <p:nvSpPr>
+          <p:cNvPr id="220" name="Rectangle 219"/>
+          <p:cNvSpPr/>
+          <p:nvPr/>
+        </p:nvSpPr>
+        <p:spPr>
+          <a:xfrm>
+            <a:off x="83470" y="6514181"/>
+            <a:ext cx="8881018" cy="299195"/>
+          </a:xfrm>
+          <a:prstGeom prst="rect">
+            <a:avLst/>
+          </a:prstGeom>
+        </p:spPr>
+        <p:style>
+          <a:lnRef idx="2">
+            <a:schemeClr val="accent1">
+              <a:shade val="50000"/>
+            </a:schemeClr>
+          </a:lnRef>
+          <a:fillRef idx="1">
+            <a:schemeClr val="accent1"/>
+          </a:fillRef>
+          <a:effectRef idx="0">
+            <a:schemeClr val="accent1"/>
+          </a:effectRef>
+          <a:fontRef idx="minor">
+            <a:schemeClr val="lt1"/>
+          </a:fontRef>
+        </p:style>
+        <p:txBody>
+          <a:bodyPr rtlCol="0" anchor="ctr"/>
+          <a:lstStyle/>
+          <a:p>
+            <a:r>
+              <a:rPr lang="en-GB" dirty="0" smtClean="0"/>
+              <a:t>About |Channel |Contacts</a:t>
+            </a:r>
+            <a:endParaRPr lang="en-GB" dirty="0"/>
+          </a:p>
+        </p:txBody>
+      </p:sp>
+    </p:spTree>
+    <p:extLst>
+      <p:ext uri="{BB962C8B-B14F-4D97-AF65-F5344CB8AC3E}">
+        <p14:creationId xmlns:p14="http://schemas.microsoft.com/office/powerpoint/2010/main" val="477180693"/>
+      </p:ext>
+    </p:extLst>
+  </p:cSld>
+  <p:clrMapOvr>
+    <a:masterClrMapping/>
+  </p:clrMapOvr>
+</p:sld>
+</file>
+
 <file path=ppt/theme/theme1.xml><?xml version="1.0" encoding="utf-8"?>
 <a:theme xmlns:a="http://schemas.openxmlformats.org/drawingml/2006/main" name="Office Theme">
   <a:themeElements>
